--- a/Article/OperatingSystem/데드락_파이썬/img/image.pptx
+++ b/Article/OperatingSystem/데드락_파이썬/img/image.pptx
@@ -4,8 +4,13 @@
   <p:sldMasterIdLst>
     <p:sldMasterId id="2147483648" r:id="rId1"/>
   </p:sldMasterIdLst>
+  <p:notesMasterIdLst>
+    <p:notesMasterId r:id="rId5"/>
+  </p:notesMasterIdLst>
   <p:sldIdLst>
     <p:sldId id="256" r:id="rId2"/>
+    <p:sldId id="257" r:id="rId3"/>
+    <p:sldId id="258" r:id="rId4"/>
   </p:sldIdLst>
   <p:sldSz cx="12192000" cy="6858000"/>
   <p:notesSz cx="6858000" cy="9144000"/>
@@ -104,7 +109,540 @@
       </a:defRPr>
     </a:lvl9pPr>
   </p:defaultTextStyle>
+  <p:extLst>
+    <p:ext uri="{EFAFB233-063F-42B5-8137-9DF3F51BA10A}">
+      <p15:sldGuideLst xmlns:p15="http://schemas.microsoft.com/office/powerpoint/2012/main"/>
+    </p:ext>
+  </p:extLst>
 </p:presentation>
+</file>
+
+<file path=ppt/notesMasters/notesMaster1.xml><?xml version="1.0" encoding="utf-8"?>
+<p:notesMaster xmlns:a="http://schemas.openxmlformats.org/drawingml/2006/main" xmlns:r="http://schemas.openxmlformats.org/officeDocument/2006/relationships" xmlns:p="http://schemas.openxmlformats.org/presentationml/2006/main">
+  <p:cSld>
+    <p:bg>
+      <p:bgRef idx="1001">
+        <a:schemeClr val="bg1"/>
+      </p:bgRef>
+    </p:bg>
+    <p:spTree>
+      <p:nvGrpSpPr>
+        <p:cNvPr id="1" name=""/>
+        <p:cNvGrpSpPr/>
+        <p:nvPr/>
+      </p:nvGrpSpPr>
+      <p:grpSpPr>
+        <a:xfrm>
+          <a:off x="0" y="0"/>
+          <a:ext cx="0" cy="0"/>
+          <a:chOff x="0" y="0"/>
+          <a:chExt cx="0" cy="0"/>
+        </a:xfrm>
+      </p:grpSpPr>
+      <p:sp>
+        <p:nvSpPr>
+          <p:cNvPr id="2" name="머리글 개체 틀 1"/>
+          <p:cNvSpPr>
+            <a:spLocks noGrp="1"/>
+          </p:cNvSpPr>
+          <p:nvPr>
+            <p:ph type="hdr" sz="quarter"/>
+          </p:nvPr>
+        </p:nvSpPr>
+        <p:spPr>
+          <a:xfrm>
+            <a:off x="0" y="0"/>
+            <a:ext cx="2971800" cy="458788"/>
+          </a:xfrm>
+          <a:prstGeom prst="rect">
+            <a:avLst/>
+          </a:prstGeom>
+        </p:spPr>
+        <p:txBody>
+          <a:bodyPr vert="horz" lIns="91440" tIns="45720" rIns="91440" bIns="45720" rtlCol="0"/>
+          <a:lstStyle>
+            <a:lvl1pPr algn="l">
+              <a:defRPr sz="1200"/>
+            </a:lvl1pPr>
+          </a:lstStyle>
+          <a:p>
+            <a:endParaRPr kumimoji="1" lang="ko-KR" altLang="en-US"/>
+          </a:p>
+        </p:txBody>
+      </p:sp>
+      <p:sp>
+        <p:nvSpPr>
+          <p:cNvPr id="3" name="날짜 개체 틀 2"/>
+          <p:cNvSpPr>
+            <a:spLocks noGrp="1"/>
+          </p:cNvSpPr>
+          <p:nvPr>
+            <p:ph type="dt" idx="1"/>
+          </p:nvPr>
+        </p:nvSpPr>
+        <p:spPr>
+          <a:xfrm>
+            <a:off x="3884613" y="0"/>
+            <a:ext cx="2971800" cy="458788"/>
+          </a:xfrm>
+          <a:prstGeom prst="rect">
+            <a:avLst/>
+          </a:prstGeom>
+        </p:spPr>
+        <p:txBody>
+          <a:bodyPr vert="horz" lIns="91440" tIns="45720" rIns="91440" bIns="45720" rtlCol="0"/>
+          <a:lstStyle>
+            <a:lvl1pPr algn="r">
+              <a:defRPr sz="1200"/>
+            </a:lvl1pPr>
+          </a:lstStyle>
+          <a:p>
+            <a:fld id="{60D8ED0E-C923-114B-B338-5931BF45617C}" type="datetimeFigureOut">
+              <a:rPr kumimoji="1" lang="ko-KR" altLang="en-US" smtClean="0"/>
+              <a:t>2021. 4. 17.</a:t>
+            </a:fld>
+            <a:endParaRPr kumimoji="1" lang="ko-KR" altLang="en-US"/>
+          </a:p>
+        </p:txBody>
+      </p:sp>
+      <p:sp>
+        <p:nvSpPr>
+          <p:cNvPr id="4" name="슬라이드 이미지 개체 틀 3"/>
+          <p:cNvSpPr>
+            <a:spLocks noGrp="1" noRot="1" noChangeAspect="1"/>
+          </p:cNvSpPr>
+          <p:nvPr>
+            <p:ph type="sldImg" idx="2"/>
+          </p:nvPr>
+        </p:nvSpPr>
+        <p:spPr>
+          <a:xfrm>
+            <a:off x="685800" y="1143000"/>
+            <a:ext cx="5486400" cy="3086100"/>
+          </a:xfrm>
+          <a:prstGeom prst="rect">
+            <a:avLst/>
+          </a:prstGeom>
+          <a:noFill/>
+          <a:ln w="12700">
+            <a:solidFill>
+              <a:prstClr val="black"/>
+            </a:solidFill>
+          </a:ln>
+        </p:spPr>
+        <p:txBody>
+          <a:bodyPr vert="horz" lIns="91440" tIns="45720" rIns="91440" bIns="45720" rtlCol="0" anchor="ctr"/>
+          <a:lstStyle/>
+          <a:p>
+            <a:endParaRPr lang="ko-KR" altLang="en-US"/>
+          </a:p>
+        </p:txBody>
+      </p:sp>
+      <p:sp>
+        <p:nvSpPr>
+          <p:cNvPr id="5" name="슬라이드 노트 개체 틀 4"/>
+          <p:cNvSpPr>
+            <a:spLocks noGrp="1"/>
+          </p:cNvSpPr>
+          <p:nvPr>
+            <p:ph type="body" sz="quarter" idx="3"/>
+          </p:nvPr>
+        </p:nvSpPr>
+        <p:spPr>
+          <a:xfrm>
+            <a:off x="685800" y="4400550"/>
+            <a:ext cx="5486400" cy="3600450"/>
+          </a:xfrm>
+          <a:prstGeom prst="rect">
+            <a:avLst/>
+          </a:prstGeom>
+        </p:spPr>
+        <p:txBody>
+          <a:bodyPr vert="horz" lIns="91440" tIns="45720" rIns="91440" bIns="45720" rtlCol="0"/>
+          <a:lstStyle/>
+          <a:p>
+            <a:pPr lvl="0"/>
+            <a:r>
+              <a:rPr kumimoji="1" lang="ko-KR" altLang="en-US"/>
+              <a:t>마스터 텍스트 스타일을 편집하려면 클릭</a:t>
+            </a:r>
+          </a:p>
+          <a:p>
+            <a:pPr lvl="1"/>
+            <a:r>
+              <a:rPr kumimoji="1" lang="ko-KR" altLang="en-US"/>
+              <a:t>두 번째 수준</a:t>
+            </a:r>
+          </a:p>
+          <a:p>
+            <a:pPr lvl="2"/>
+            <a:r>
+              <a:rPr kumimoji="1" lang="ko-KR" altLang="en-US"/>
+              <a:t>세 번째 수준</a:t>
+            </a:r>
+          </a:p>
+          <a:p>
+            <a:pPr lvl="3"/>
+            <a:r>
+              <a:rPr kumimoji="1" lang="ko-KR" altLang="en-US"/>
+              <a:t>네 번째 수준</a:t>
+            </a:r>
+          </a:p>
+          <a:p>
+            <a:pPr lvl="4"/>
+            <a:r>
+              <a:rPr kumimoji="1" lang="ko-KR" altLang="en-US"/>
+              <a:t>다섯 번째 수준</a:t>
+            </a:r>
+          </a:p>
+        </p:txBody>
+      </p:sp>
+      <p:sp>
+        <p:nvSpPr>
+          <p:cNvPr id="6" name="바닥글 개체 틀 5"/>
+          <p:cNvSpPr>
+            <a:spLocks noGrp="1"/>
+          </p:cNvSpPr>
+          <p:nvPr>
+            <p:ph type="ftr" sz="quarter" idx="4"/>
+          </p:nvPr>
+        </p:nvSpPr>
+        <p:spPr>
+          <a:xfrm>
+            <a:off x="0" y="8685213"/>
+            <a:ext cx="2971800" cy="458787"/>
+          </a:xfrm>
+          <a:prstGeom prst="rect">
+            <a:avLst/>
+          </a:prstGeom>
+        </p:spPr>
+        <p:txBody>
+          <a:bodyPr vert="horz" lIns="91440" tIns="45720" rIns="91440" bIns="45720" rtlCol="0" anchor="b"/>
+          <a:lstStyle>
+            <a:lvl1pPr algn="l">
+              <a:defRPr sz="1200"/>
+            </a:lvl1pPr>
+          </a:lstStyle>
+          <a:p>
+            <a:endParaRPr kumimoji="1" lang="ko-KR" altLang="en-US"/>
+          </a:p>
+        </p:txBody>
+      </p:sp>
+      <p:sp>
+        <p:nvSpPr>
+          <p:cNvPr id="7" name="슬라이드 번호 개체 틀 6"/>
+          <p:cNvSpPr>
+            <a:spLocks noGrp="1"/>
+          </p:cNvSpPr>
+          <p:nvPr>
+            <p:ph type="sldNum" sz="quarter" idx="5"/>
+          </p:nvPr>
+        </p:nvSpPr>
+        <p:spPr>
+          <a:xfrm>
+            <a:off x="3884613" y="8685213"/>
+            <a:ext cx="2971800" cy="458787"/>
+          </a:xfrm>
+          <a:prstGeom prst="rect">
+            <a:avLst/>
+          </a:prstGeom>
+        </p:spPr>
+        <p:txBody>
+          <a:bodyPr vert="horz" lIns="91440" tIns="45720" rIns="91440" bIns="45720" rtlCol="0" anchor="b"/>
+          <a:lstStyle>
+            <a:lvl1pPr algn="r">
+              <a:defRPr sz="1200"/>
+            </a:lvl1pPr>
+          </a:lstStyle>
+          <a:p>
+            <a:fld id="{59D76651-4954-5E44-B1F8-BD603655E689}" type="slidenum">
+              <a:rPr kumimoji="1" lang="ko-KR" altLang="en-US" smtClean="0"/>
+              <a:t>‹#›</a:t>
+            </a:fld>
+            <a:endParaRPr kumimoji="1" lang="ko-KR" altLang="en-US"/>
+          </a:p>
+        </p:txBody>
+      </p:sp>
+    </p:spTree>
+    <p:extLst>
+      <p:ext uri="{BB962C8B-B14F-4D97-AF65-F5344CB8AC3E}">
+        <p14:creationId xmlns:p14="http://schemas.microsoft.com/office/powerpoint/2010/main" val="105480004"/>
+      </p:ext>
+    </p:extLst>
+  </p:cSld>
+  <p:clrMap bg1="lt1" tx1="dk1" bg2="lt2" tx2="dk2" accent1="accent1" accent2="accent2" accent3="accent3" accent4="accent4" accent5="accent5" accent6="accent6" hlink="hlink" folHlink="folHlink"/>
+  <p:notesStyle>
+    <a:lvl1pPr marL="0" algn="l" defTabSz="914400" rtl="0" eaLnBrk="1" latinLnBrk="1" hangingPunct="1">
+      <a:defRPr sz="1200" kern="1200">
+        <a:solidFill>
+          <a:schemeClr val="tx1"/>
+        </a:solidFill>
+        <a:latin typeface="+mn-lt"/>
+        <a:ea typeface="+mn-ea"/>
+        <a:cs typeface="+mn-cs"/>
+      </a:defRPr>
+    </a:lvl1pPr>
+    <a:lvl2pPr marL="457200" algn="l" defTabSz="914400" rtl="0" eaLnBrk="1" latinLnBrk="1" hangingPunct="1">
+      <a:defRPr sz="1200" kern="1200">
+        <a:solidFill>
+          <a:schemeClr val="tx1"/>
+        </a:solidFill>
+        <a:latin typeface="+mn-lt"/>
+        <a:ea typeface="+mn-ea"/>
+        <a:cs typeface="+mn-cs"/>
+      </a:defRPr>
+    </a:lvl2pPr>
+    <a:lvl3pPr marL="914400" algn="l" defTabSz="914400" rtl="0" eaLnBrk="1" latinLnBrk="1" hangingPunct="1">
+      <a:defRPr sz="1200" kern="1200">
+        <a:solidFill>
+          <a:schemeClr val="tx1"/>
+        </a:solidFill>
+        <a:latin typeface="+mn-lt"/>
+        <a:ea typeface="+mn-ea"/>
+        <a:cs typeface="+mn-cs"/>
+      </a:defRPr>
+    </a:lvl3pPr>
+    <a:lvl4pPr marL="1371600" algn="l" defTabSz="914400" rtl="0" eaLnBrk="1" latinLnBrk="1" hangingPunct="1">
+      <a:defRPr sz="1200" kern="1200">
+        <a:solidFill>
+          <a:schemeClr val="tx1"/>
+        </a:solidFill>
+        <a:latin typeface="+mn-lt"/>
+        <a:ea typeface="+mn-ea"/>
+        <a:cs typeface="+mn-cs"/>
+      </a:defRPr>
+    </a:lvl4pPr>
+    <a:lvl5pPr marL="1828800" algn="l" defTabSz="914400" rtl="0" eaLnBrk="1" latinLnBrk="1" hangingPunct="1">
+      <a:defRPr sz="1200" kern="1200">
+        <a:solidFill>
+          <a:schemeClr val="tx1"/>
+        </a:solidFill>
+        <a:latin typeface="+mn-lt"/>
+        <a:ea typeface="+mn-ea"/>
+        <a:cs typeface="+mn-cs"/>
+      </a:defRPr>
+    </a:lvl5pPr>
+    <a:lvl6pPr marL="2286000" algn="l" defTabSz="914400" rtl="0" eaLnBrk="1" latinLnBrk="1" hangingPunct="1">
+      <a:defRPr sz="1200" kern="1200">
+        <a:solidFill>
+          <a:schemeClr val="tx1"/>
+        </a:solidFill>
+        <a:latin typeface="+mn-lt"/>
+        <a:ea typeface="+mn-ea"/>
+        <a:cs typeface="+mn-cs"/>
+      </a:defRPr>
+    </a:lvl6pPr>
+    <a:lvl7pPr marL="2743200" algn="l" defTabSz="914400" rtl="0" eaLnBrk="1" latinLnBrk="1" hangingPunct="1">
+      <a:defRPr sz="1200" kern="1200">
+        <a:solidFill>
+          <a:schemeClr val="tx1"/>
+        </a:solidFill>
+        <a:latin typeface="+mn-lt"/>
+        <a:ea typeface="+mn-ea"/>
+        <a:cs typeface="+mn-cs"/>
+      </a:defRPr>
+    </a:lvl7pPr>
+    <a:lvl8pPr marL="3200400" algn="l" defTabSz="914400" rtl="0" eaLnBrk="1" latinLnBrk="1" hangingPunct="1">
+      <a:defRPr sz="1200" kern="1200">
+        <a:solidFill>
+          <a:schemeClr val="tx1"/>
+        </a:solidFill>
+        <a:latin typeface="+mn-lt"/>
+        <a:ea typeface="+mn-ea"/>
+        <a:cs typeface="+mn-cs"/>
+      </a:defRPr>
+    </a:lvl8pPr>
+    <a:lvl9pPr marL="3657600" algn="l" defTabSz="914400" rtl="0" eaLnBrk="1" latinLnBrk="1" hangingPunct="1">
+      <a:defRPr sz="1200" kern="1200">
+        <a:solidFill>
+          <a:schemeClr val="tx1"/>
+        </a:solidFill>
+        <a:latin typeface="+mn-lt"/>
+        <a:ea typeface="+mn-ea"/>
+        <a:cs typeface="+mn-cs"/>
+      </a:defRPr>
+    </a:lvl9pPr>
+  </p:notesStyle>
+</p:notesMaster>
+</file>
+
+<file path=ppt/notesSlides/notesSlide1.xml><?xml version="1.0" encoding="utf-8"?>
+<p:notes xmlns:a="http://schemas.openxmlformats.org/drawingml/2006/main" xmlns:r="http://schemas.openxmlformats.org/officeDocument/2006/relationships" xmlns:p="http://schemas.openxmlformats.org/presentationml/2006/main">
+  <p:cSld>
+    <p:spTree>
+      <p:nvGrpSpPr>
+        <p:cNvPr id="1" name=""/>
+        <p:cNvGrpSpPr/>
+        <p:nvPr/>
+      </p:nvGrpSpPr>
+      <p:grpSpPr>
+        <a:xfrm>
+          <a:off x="0" y="0"/>
+          <a:ext cx="0" cy="0"/>
+          <a:chOff x="0" y="0"/>
+          <a:chExt cx="0" cy="0"/>
+        </a:xfrm>
+      </p:grpSpPr>
+      <p:sp>
+        <p:nvSpPr>
+          <p:cNvPr id="2" name="슬라이드 이미지 개체 틀 1"/>
+          <p:cNvSpPr>
+            <a:spLocks noGrp="1" noRot="1" noChangeAspect="1"/>
+          </p:cNvSpPr>
+          <p:nvPr>
+            <p:ph type="sldImg"/>
+          </p:nvPr>
+        </p:nvSpPr>
+        <p:spPr/>
+      </p:sp>
+      <p:sp>
+        <p:nvSpPr>
+          <p:cNvPr id="3" name="슬라이드 노트 개체 틀 2"/>
+          <p:cNvSpPr>
+            <a:spLocks noGrp="1"/>
+          </p:cNvSpPr>
+          <p:nvPr>
+            <p:ph type="body" idx="1"/>
+          </p:nvPr>
+        </p:nvSpPr>
+        <p:spPr/>
+        <p:txBody>
+          <a:bodyPr/>
+          <a:lstStyle/>
+          <a:p>
+            <a:r>
+              <a:rPr kumimoji="1" lang="en-US" altLang="ko-KR" dirty="0"/>
+              <a:t>3</a:t>
+            </a:r>
+            <a:r>
+              <a:rPr kumimoji="1" lang="ko-KR" altLang="en-US" dirty="0"/>
+              <a:t>번</a:t>
+            </a:r>
+            <a:endParaRPr kumimoji="1" lang="en-US" altLang="ko-KR" dirty="0"/>
+          </a:p>
+          <a:p>
+            <a:endParaRPr kumimoji="1" lang="ko-KR" altLang="en-US" dirty="0"/>
+          </a:p>
+        </p:txBody>
+      </p:sp>
+      <p:sp>
+        <p:nvSpPr>
+          <p:cNvPr id="4" name="슬라이드 번호 개체 틀 3"/>
+          <p:cNvSpPr>
+            <a:spLocks noGrp="1"/>
+          </p:cNvSpPr>
+          <p:nvPr>
+            <p:ph type="sldNum" sz="quarter" idx="5"/>
+          </p:nvPr>
+        </p:nvSpPr>
+        <p:spPr/>
+        <p:txBody>
+          <a:bodyPr/>
+          <a:lstStyle/>
+          <a:p>
+            <a:fld id="{9F254F47-52D0-034A-9F83-C4A986CA868C}" type="slidenum">
+              <a:rPr kumimoji="1" lang="ko-KR" altLang="en-US" smtClean="0"/>
+              <a:t>2</a:t>
+            </a:fld>
+            <a:endParaRPr kumimoji="1" lang="ko-KR" altLang="en-US"/>
+          </a:p>
+        </p:txBody>
+      </p:sp>
+    </p:spTree>
+    <p:extLst>
+      <p:ext uri="{BB962C8B-B14F-4D97-AF65-F5344CB8AC3E}">
+        <p14:creationId xmlns:p14="http://schemas.microsoft.com/office/powerpoint/2010/main" val="3982138386"/>
+      </p:ext>
+    </p:extLst>
+  </p:cSld>
+  <p:clrMapOvr>
+    <a:masterClrMapping/>
+  </p:clrMapOvr>
+</p:notes>
+</file>
+
+<file path=ppt/notesSlides/notesSlide2.xml><?xml version="1.0" encoding="utf-8"?>
+<p:notes xmlns:a="http://schemas.openxmlformats.org/drawingml/2006/main" xmlns:r="http://schemas.openxmlformats.org/officeDocument/2006/relationships" xmlns:p="http://schemas.openxmlformats.org/presentationml/2006/main">
+  <p:cSld>
+    <p:spTree>
+      <p:nvGrpSpPr>
+        <p:cNvPr id="1" name=""/>
+        <p:cNvGrpSpPr/>
+        <p:nvPr/>
+      </p:nvGrpSpPr>
+      <p:grpSpPr>
+        <a:xfrm>
+          <a:off x="0" y="0"/>
+          <a:ext cx="0" cy="0"/>
+          <a:chOff x="0" y="0"/>
+          <a:chExt cx="0" cy="0"/>
+        </a:xfrm>
+      </p:grpSpPr>
+      <p:sp>
+        <p:nvSpPr>
+          <p:cNvPr id="2" name="슬라이드 이미지 개체 틀 1"/>
+          <p:cNvSpPr>
+            <a:spLocks noGrp="1" noRot="1" noChangeAspect="1"/>
+          </p:cNvSpPr>
+          <p:nvPr>
+            <p:ph type="sldImg"/>
+          </p:nvPr>
+        </p:nvSpPr>
+        <p:spPr/>
+      </p:sp>
+      <p:sp>
+        <p:nvSpPr>
+          <p:cNvPr id="3" name="슬라이드 노트 개체 틀 2"/>
+          <p:cNvSpPr>
+            <a:spLocks noGrp="1"/>
+          </p:cNvSpPr>
+          <p:nvPr>
+            <p:ph type="body" idx="1"/>
+          </p:nvPr>
+        </p:nvSpPr>
+        <p:spPr/>
+        <p:txBody>
+          <a:bodyPr/>
+          <a:lstStyle/>
+          <a:p>
+            <a:endParaRPr kumimoji="1" lang="ko-KR" altLang="en-US" dirty="0"/>
+          </a:p>
+        </p:txBody>
+      </p:sp>
+      <p:sp>
+        <p:nvSpPr>
+          <p:cNvPr id="4" name="슬라이드 번호 개체 틀 3"/>
+          <p:cNvSpPr>
+            <a:spLocks noGrp="1"/>
+          </p:cNvSpPr>
+          <p:nvPr>
+            <p:ph type="sldNum" sz="quarter" idx="5"/>
+          </p:nvPr>
+        </p:nvSpPr>
+        <p:spPr/>
+        <p:txBody>
+          <a:bodyPr/>
+          <a:lstStyle/>
+          <a:p>
+            <a:fld id="{59D76651-4954-5E44-B1F8-BD603655E689}" type="slidenum">
+              <a:rPr kumimoji="1" lang="ko-KR" altLang="en-US" smtClean="0"/>
+              <a:t>3</a:t>
+            </a:fld>
+            <a:endParaRPr kumimoji="1" lang="ko-KR" altLang="en-US"/>
+          </a:p>
+        </p:txBody>
+      </p:sp>
+    </p:spTree>
+    <p:extLst>
+      <p:ext uri="{BB962C8B-B14F-4D97-AF65-F5344CB8AC3E}">
+        <p14:creationId xmlns:p14="http://schemas.microsoft.com/office/powerpoint/2010/main" val="719730314"/>
+      </p:ext>
+    </p:extLst>
+  </p:cSld>
+  <p:clrMapOvr>
+    <a:masterClrMapping/>
+  </p:clrMapOvr>
+</p:notes>
 </file>
 
 <file path=ppt/slideLayouts/slideLayout1.xml><?xml version="1.0" encoding="utf-8"?>
@@ -254,7 +792,7 @@
           <a:p>
             <a:fld id="{EBF14DDC-82E2-1945-A506-A818918B6376}" type="datetimeFigureOut">
               <a:rPr kumimoji="1" lang="ko-KR" altLang="en-US" smtClean="0"/>
-              <a:t>2021. 4. 4.</a:t>
+              <a:t>2021. 4. 17.</a:t>
             </a:fld>
             <a:endParaRPr kumimoji="1" lang="ko-KR" altLang="en-US"/>
           </a:p>
@@ -452,7 +990,7 @@
           <a:p>
             <a:fld id="{EBF14DDC-82E2-1945-A506-A818918B6376}" type="datetimeFigureOut">
               <a:rPr kumimoji="1" lang="ko-KR" altLang="en-US" smtClean="0"/>
-              <a:t>2021. 4. 4.</a:t>
+              <a:t>2021. 4. 17.</a:t>
             </a:fld>
             <a:endParaRPr kumimoji="1" lang="ko-KR" altLang="en-US"/>
           </a:p>
@@ -660,7 +1198,7 @@
           <a:p>
             <a:fld id="{EBF14DDC-82E2-1945-A506-A818918B6376}" type="datetimeFigureOut">
               <a:rPr kumimoji="1" lang="ko-KR" altLang="en-US" smtClean="0"/>
-              <a:t>2021. 4. 4.</a:t>
+              <a:t>2021. 4. 17.</a:t>
             </a:fld>
             <a:endParaRPr kumimoji="1" lang="ko-KR" altLang="en-US"/>
           </a:p>
@@ -858,7 +1396,7 @@
           <a:p>
             <a:fld id="{EBF14DDC-82E2-1945-A506-A818918B6376}" type="datetimeFigureOut">
               <a:rPr kumimoji="1" lang="ko-KR" altLang="en-US" smtClean="0"/>
-              <a:t>2021. 4. 4.</a:t>
+              <a:t>2021. 4. 17.</a:t>
             </a:fld>
             <a:endParaRPr kumimoji="1" lang="ko-KR" altLang="en-US"/>
           </a:p>
@@ -1133,7 +1671,7 @@
           <a:p>
             <a:fld id="{EBF14DDC-82E2-1945-A506-A818918B6376}" type="datetimeFigureOut">
               <a:rPr kumimoji="1" lang="ko-KR" altLang="en-US" smtClean="0"/>
-              <a:t>2021. 4. 4.</a:t>
+              <a:t>2021. 4. 17.</a:t>
             </a:fld>
             <a:endParaRPr kumimoji="1" lang="ko-KR" altLang="en-US"/>
           </a:p>
@@ -1398,7 +1936,7 @@
           <a:p>
             <a:fld id="{EBF14DDC-82E2-1945-A506-A818918B6376}" type="datetimeFigureOut">
               <a:rPr kumimoji="1" lang="ko-KR" altLang="en-US" smtClean="0"/>
-              <a:t>2021. 4. 4.</a:t>
+              <a:t>2021. 4. 17.</a:t>
             </a:fld>
             <a:endParaRPr kumimoji="1" lang="ko-KR" altLang="en-US"/>
           </a:p>
@@ -1810,7 +2348,7 @@
           <a:p>
             <a:fld id="{EBF14DDC-82E2-1945-A506-A818918B6376}" type="datetimeFigureOut">
               <a:rPr kumimoji="1" lang="ko-KR" altLang="en-US" smtClean="0"/>
-              <a:t>2021. 4. 4.</a:t>
+              <a:t>2021. 4. 17.</a:t>
             </a:fld>
             <a:endParaRPr kumimoji="1" lang="ko-KR" altLang="en-US"/>
           </a:p>
@@ -1951,7 +2489,7 @@
           <a:p>
             <a:fld id="{EBF14DDC-82E2-1945-A506-A818918B6376}" type="datetimeFigureOut">
               <a:rPr kumimoji="1" lang="ko-KR" altLang="en-US" smtClean="0"/>
-              <a:t>2021. 4. 4.</a:t>
+              <a:t>2021. 4. 17.</a:t>
             </a:fld>
             <a:endParaRPr kumimoji="1" lang="ko-KR" altLang="en-US"/>
           </a:p>
@@ -2064,7 +2602,7 @@
           <a:p>
             <a:fld id="{EBF14DDC-82E2-1945-A506-A818918B6376}" type="datetimeFigureOut">
               <a:rPr kumimoji="1" lang="ko-KR" altLang="en-US" smtClean="0"/>
-              <a:t>2021. 4. 4.</a:t>
+              <a:t>2021. 4. 17.</a:t>
             </a:fld>
             <a:endParaRPr kumimoji="1" lang="ko-KR" altLang="en-US"/>
           </a:p>
@@ -2375,7 +2913,7 @@
           <a:p>
             <a:fld id="{EBF14DDC-82E2-1945-A506-A818918B6376}" type="datetimeFigureOut">
               <a:rPr kumimoji="1" lang="ko-KR" altLang="en-US" smtClean="0"/>
-              <a:t>2021. 4. 4.</a:t>
+              <a:t>2021. 4. 17.</a:t>
             </a:fld>
             <a:endParaRPr kumimoji="1" lang="ko-KR" altLang="en-US"/>
           </a:p>
@@ -2663,7 +3201,7 @@
           <a:p>
             <a:fld id="{EBF14DDC-82E2-1945-A506-A818918B6376}" type="datetimeFigureOut">
               <a:rPr kumimoji="1" lang="ko-KR" altLang="en-US" smtClean="0"/>
-              <a:t>2021. 4. 4.</a:t>
+              <a:t>2021. 4. 17.</a:t>
             </a:fld>
             <a:endParaRPr kumimoji="1" lang="ko-KR" altLang="en-US"/>
           </a:p>
@@ -2904,7 +3442,7 @@
           <a:p>
             <a:fld id="{EBF14DDC-82E2-1945-A506-A818918B6376}" type="datetimeFigureOut">
               <a:rPr kumimoji="1" lang="ko-KR" altLang="en-US" smtClean="0"/>
-              <a:t>2021. 4. 4.</a:t>
+              <a:t>2021. 4. 17.</a:t>
             </a:fld>
             <a:endParaRPr kumimoji="1" lang="ko-KR" altLang="en-US"/>
           </a:p>
@@ -3610,6 +4148,2963 @@
 </p:sld>
 </file>
 
+<file path=ppt/slides/slide2.xml><?xml version="1.0" encoding="utf-8"?>
+<p:sld xmlns:a="http://schemas.openxmlformats.org/drawingml/2006/main" xmlns:r="http://schemas.openxmlformats.org/officeDocument/2006/relationships" xmlns:p="http://schemas.openxmlformats.org/presentationml/2006/main">
+  <p:cSld>
+    <p:spTree>
+      <p:nvGrpSpPr>
+        <p:cNvPr id="1" name=""/>
+        <p:cNvGrpSpPr/>
+        <p:nvPr/>
+      </p:nvGrpSpPr>
+      <p:grpSpPr>
+        <a:xfrm>
+          <a:off x="0" y="0"/>
+          <a:ext cx="0" cy="0"/>
+          <a:chOff x="0" y="0"/>
+          <a:chExt cx="0" cy="0"/>
+        </a:xfrm>
+      </p:grpSpPr>
+      <p:cxnSp>
+        <p:nvCxnSpPr>
+          <p:cNvPr id="5" name="직선 연결선[R] 4">
+            <a:extLst>
+              <a:ext uri="{FF2B5EF4-FFF2-40B4-BE49-F238E27FC236}">
+                <a16:creationId xmlns:a16="http://schemas.microsoft.com/office/drawing/2014/main" id="{5DE75304-F5C8-494F-B8BD-8350A5B63293}"/>
+              </a:ext>
+            </a:extLst>
+          </p:cNvPr>
+          <p:cNvCxnSpPr>
+            <a:cxnSpLocks/>
+          </p:cNvCxnSpPr>
+          <p:nvPr/>
+        </p:nvCxnSpPr>
+        <p:spPr>
+          <a:xfrm>
+            <a:off x="5082270" y="1170401"/>
+            <a:ext cx="0" cy="4427492"/>
+          </a:xfrm>
+          <a:prstGeom prst="line">
+            <a:avLst/>
+          </a:prstGeom>
+          <a:ln w="38100">
+            <a:solidFill>
+              <a:srgbClr val="432E2E"/>
+            </a:solidFill>
+          </a:ln>
+        </p:spPr>
+        <p:style>
+          <a:lnRef idx="1">
+            <a:schemeClr val="accent1"/>
+          </a:lnRef>
+          <a:fillRef idx="0">
+            <a:schemeClr val="accent1"/>
+          </a:fillRef>
+          <a:effectRef idx="0">
+            <a:schemeClr val="accent1"/>
+          </a:effectRef>
+          <a:fontRef idx="minor">
+            <a:schemeClr val="tx1"/>
+          </a:fontRef>
+        </p:style>
+      </p:cxnSp>
+      <p:sp>
+        <p:nvSpPr>
+          <p:cNvPr id="7" name="직사각형 6">
+            <a:extLst>
+              <a:ext uri="{FF2B5EF4-FFF2-40B4-BE49-F238E27FC236}">
+                <a16:creationId xmlns:a16="http://schemas.microsoft.com/office/drawing/2014/main" id="{02A6A8A6-DDC1-224D-BA7B-625C946ECD99}"/>
+              </a:ext>
+            </a:extLst>
+          </p:cNvPr>
+          <p:cNvSpPr/>
+          <p:nvPr/>
+        </p:nvSpPr>
+        <p:spPr>
+          <a:xfrm>
+            <a:off x="2686261" y="1691709"/>
+            <a:ext cx="2347117" cy="307777"/>
+          </a:xfrm>
+          <a:prstGeom prst="rect">
+            <a:avLst/>
+          </a:prstGeom>
+        </p:spPr>
+        <p:txBody>
+          <a:bodyPr wrap="none">
+            <a:spAutoFit/>
+          </a:bodyPr>
+          <a:lstStyle/>
+          <a:p>
+            <a:r>
+              <a:rPr lang="en" altLang="ko-KR" sz="1400" dirty="0">
+                <a:latin typeface="BM JUA OTF" panose="02020603020101020101" pitchFamily="18" charset="-127"/>
+                <a:ea typeface="BM JUA OTF" panose="02020603020101020101" pitchFamily="18" charset="-127"/>
+              </a:rPr>
+              <a:t>[Main-Thread] </a:t>
+            </a:r>
+            <a:r>
+              <a:rPr lang="ko-KR" altLang="en-US" sz="1400" dirty="0" err="1">
+                <a:latin typeface="BM JUA OTF" panose="02020603020101020101" pitchFamily="18" charset="-127"/>
+                <a:ea typeface="BM JUA OTF" panose="02020603020101020101" pitchFamily="18" charset="-127"/>
+              </a:rPr>
+              <a:t>쓰레드</a:t>
+            </a:r>
+            <a:r>
+              <a:rPr lang="ko-KR" altLang="en-US" sz="1400" dirty="0">
+                <a:latin typeface="BM JUA OTF" panose="02020603020101020101" pitchFamily="18" charset="-127"/>
+                <a:ea typeface="BM JUA OTF" panose="02020603020101020101" pitchFamily="18" charset="-127"/>
+              </a:rPr>
+              <a:t> 시작 전</a:t>
+            </a:r>
+          </a:p>
+        </p:txBody>
+      </p:sp>
+      <p:sp>
+        <p:nvSpPr>
+          <p:cNvPr id="8" name="타원 7">
+            <a:extLst>
+              <a:ext uri="{FF2B5EF4-FFF2-40B4-BE49-F238E27FC236}">
+                <a16:creationId xmlns:a16="http://schemas.microsoft.com/office/drawing/2014/main" id="{2BD8FA63-AD00-5048-ABB4-B676C1669E4B}"/>
+              </a:ext>
+            </a:extLst>
+          </p:cNvPr>
+          <p:cNvSpPr/>
+          <p:nvPr/>
+        </p:nvSpPr>
+        <p:spPr>
+          <a:xfrm>
+            <a:off x="4949748" y="2582365"/>
+            <a:ext cx="265043" cy="265043"/>
+          </a:xfrm>
+          <a:prstGeom prst="ellipse">
+            <a:avLst/>
+          </a:prstGeom>
+          <a:solidFill>
+            <a:srgbClr val="FFA02E"/>
+          </a:solidFill>
+          <a:ln w="25400">
+            <a:solidFill>
+              <a:srgbClr val="432E2E"/>
+            </a:solidFill>
+          </a:ln>
+        </p:spPr>
+        <p:style>
+          <a:lnRef idx="2">
+            <a:schemeClr val="accent1">
+              <a:shade val="50000"/>
+            </a:schemeClr>
+          </a:lnRef>
+          <a:fillRef idx="1">
+            <a:schemeClr val="accent1"/>
+          </a:fillRef>
+          <a:effectRef idx="0">
+            <a:schemeClr val="accent1"/>
+          </a:effectRef>
+          <a:fontRef idx="minor">
+            <a:schemeClr val="lt1"/>
+          </a:fontRef>
+        </p:style>
+        <p:txBody>
+          <a:bodyPr rtlCol="0" anchor="ctr"/>
+          <a:lstStyle/>
+          <a:p>
+            <a:pPr algn="ctr"/>
+            <a:endParaRPr kumimoji="1" lang="ko-KR" altLang="en-US">
+              <a:solidFill>
+                <a:srgbClr val="FFA02E"/>
+              </a:solidFill>
+            </a:endParaRPr>
+          </a:p>
+        </p:txBody>
+      </p:sp>
+      <p:pic>
+        <p:nvPicPr>
+          <p:cNvPr id="10" name="그림 9">
+            <a:extLst>
+              <a:ext uri="{FF2B5EF4-FFF2-40B4-BE49-F238E27FC236}">
+                <a16:creationId xmlns:a16="http://schemas.microsoft.com/office/drawing/2014/main" id="{B2AEBF81-A713-4144-8C50-C9C2894BE81E}"/>
+              </a:ext>
+            </a:extLst>
+          </p:cNvPr>
+          <p:cNvPicPr>
+            <a:picLocks noChangeAspect="1"/>
+          </p:cNvPicPr>
+          <p:nvPr/>
+        </p:nvPicPr>
+        <p:blipFill>
+          <a:blip r:embed="rId3"/>
+          <a:stretch>
+            <a:fillRect/>
+          </a:stretch>
+        </p:blipFill>
+        <p:spPr>
+          <a:xfrm>
+            <a:off x="319009" y="-3783050"/>
+            <a:ext cx="12192000" cy="2912806"/>
+          </a:xfrm>
+          <a:prstGeom prst="rect">
+            <a:avLst/>
+          </a:prstGeom>
+        </p:spPr>
+      </p:pic>
+      <p:sp>
+        <p:nvSpPr>
+          <p:cNvPr id="11" name="직사각형 10">
+            <a:extLst>
+              <a:ext uri="{FF2B5EF4-FFF2-40B4-BE49-F238E27FC236}">
+                <a16:creationId xmlns:a16="http://schemas.microsoft.com/office/drawing/2014/main" id="{AD74E5F3-75BE-1A42-A8F4-48BBB02C9061}"/>
+              </a:ext>
+            </a:extLst>
+          </p:cNvPr>
+          <p:cNvSpPr/>
+          <p:nvPr/>
+        </p:nvSpPr>
+        <p:spPr>
+          <a:xfrm>
+            <a:off x="-1354016" y="1542473"/>
+            <a:ext cx="949569" cy="949569"/>
+          </a:xfrm>
+          <a:prstGeom prst="rect">
+            <a:avLst/>
+          </a:prstGeom>
+          <a:solidFill>
+            <a:srgbClr val="432E2E"/>
+          </a:solidFill>
+          <a:ln>
+            <a:noFill/>
+          </a:ln>
+        </p:spPr>
+        <p:style>
+          <a:lnRef idx="2">
+            <a:schemeClr val="accent1">
+              <a:shade val="50000"/>
+            </a:schemeClr>
+          </a:lnRef>
+          <a:fillRef idx="1">
+            <a:schemeClr val="accent1"/>
+          </a:fillRef>
+          <a:effectRef idx="0">
+            <a:schemeClr val="accent1"/>
+          </a:effectRef>
+          <a:fontRef idx="minor">
+            <a:schemeClr val="lt1"/>
+          </a:fontRef>
+        </p:style>
+        <p:txBody>
+          <a:bodyPr rtlCol="0" anchor="ctr"/>
+          <a:lstStyle/>
+          <a:p>
+            <a:pPr algn="ctr"/>
+            <a:endParaRPr kumimoji="1" lang="ko-KR" altLang="en-US"/>
+          </a:p>
+        </p:txBody>
+      </p:sp>
+      <p:sp>
+        <p:nvSpPr>
+          <p:cNvPr id="12" name="직사각형 11">
+            <a:extLst>
+              <a:ext uri="{FF2B5EF4-FFF2-40B4-BE49-F238E27FC236}">
+                <a16:creationId xmlns:a16="http://schemas.microsoft.com/office/drawing/2014/main" id="{71D38514-6642-2C41-AFAB-C7A1D0B6EB79}"/>
+              </a:ext>
+            </a:extLst>
+          </p:cNvPr>
+          <p:cNvSpPr/>
+          <p:nvPr/>
+        </p:nvSpPr>
+        <p:spPr>
+          <a:xfrm>
+            <a:off x="-1354017" y="2492042"/>
+            <a:ext cx="949569" cy="949569"/>
+          </a:xfrm>
+          <a:prstGeom prst="rect">
+            <a:avLst/>
+          </a:prstGeom>
+          <a:solidFill>
+            <a:srgbClr val="FFA02E"/>
+          </a:solidFill>
+          <a:ln>
+            <a:noFill/>
+          </a:ln>
+        </p:spPr>
+        <p:style>
+          <a:lnRef idx="2">
+            <a:schemeClr val="accent1">
+              <a:shade val="50000"/>
+            </a:schemeClr>
+          </a:lnRef>
+          <a:fillRef idx="1">
+            <a:schemeClr val="accent1"/>
+          </a:fillRef>
+          <a:effectRef idx="0">
+            <a:schemeClr val="accent1"/>
+          </a:effectRef>
+          <a:fontRef idx="minor">
+            <a:schemeClr val="lt1"/>
+          </a:fontRef>
+        </p:style>
+        <p:txBody>
+          <a:bodyPr rtlCol="0" anchor="ctr"/>
+          <a:lstStyle/>
+          <a:p>
+            <a:pPr algn="ctr"/>
+            <a:endParaRPr kumimoji="1" lang="ko-KR" altLang="en-US"/>
+          </a:p>
+        </p:txBody>
+      </p:sp>
+      <p:sp>
+        <p:nvSpPr>
+          <p:cNvPr id="13" name="직사각형 12">
+            <a:extLst>
+              <a:ext uri="{FF2B5EF4-FFF2-40B4-BE49-F238E27FC236}">
+                <a16:creationId xmlns:a16="http://schemas.microsoft.com/office/drawing/2014/main" id="{BA24DD88-2291-2348-9D6E-C9F9F1784589}"/>
+              </a:ext>
+            </a:extLst>
+          </p:cNvPr>
+          <p:cNvSpPr/>
+          <p:nvPr/>
+        </p:nvSpPr>
+        <p:spPr>
+          <a:xfrm>
+            <a:off x="-1354017" y="3441611"/>
+            <a:ext cx="949569" cy="949569"/>
+          </a:xfrm>
+          <a:prstGeom prst="rect">
+            <a:avLst/>
+          </a:prstGeom>
+          <a:solidFill>
+            <a:srgbClr val="FFCB00"/>
+          </a:solidFill>
+          <a:ln>
+            <a:noFill/>
+          </a:ln>
+        </p:spPr>
+        <p:style>
+          <a:lnRef idx="2">
+            <a:schemeClr val="accent1">
+              <a:shade val="50000"/>
+            </a:schemeClr>
+          </a:lnRef>
+          <a:fillRef idx="1">
+            <a:schemeClr val="accent1"/>
+          </a:fillRef>
+          <a:effectRef idx="0">
+            <a:schemeClr val="accent1"/>
+          </a:effectRef>
+          <a:fontRef idx="minor">
+            <a:schemeClr val="lt1"/>
+          </a:fontRef>
+        </p:style>
+        <p:txBody>
+          <a:bodyPr rtlCol="0" anchor="ctr"/>
+          <a:lstStyle/>
+          <a:p>
+            <a:pPr algn="ctr"/>
+            <a:endParaRPr kumimoji="1" lang="ko-KR" altLang="en-US"/>
+          </a:p>
+        </p:txBody>
+      </p:sp>
+      <p:sp>
+        <p:nvSpPr>
+          <p:cNvPr id="14" name="직사각형 13">
+            <a:extLst>
+              <a:ext uri="{FF2B5EF4-FFF2-40B4-BE49-F238E27FC236}">
+                <a16:creationId xmlns:a16="http://schemas.microsoft.com/office/drawing/2014/main" id="{D969D2F7-6CEC-DB44-A0AA-525C9B1335CF}"/>
+              </a:ext>
+            </a:extLst>
+          </p:cNvPr>
+          <p:cNvSpPr/>
+          <p:nvPr/>
+        </p:nvSpPr>
+        <p:spPr>
+          <a:xfrm>
+            <a:off x="4305982" y="787049"/>
+            <a:ext cx="1287532" cy="338554"/>
+          </a:xfrm>
+          <a:prstGeom prst="rect">
+            <a:avLst/>
+          </a:prstGeom>
+        </p:spPr>
+        <p:txBody>
+          <a:bodyPr wrap="none">
+            <a:spAutoFit/>
+          </a:bodyPr>
+          <a:lstStyle/>
+          <a:p>
+            <a:r>
+              <a:rPr lang="en-US" altLang="ko-KR" sz="1600" dirty="0">
+                <a:latin typeface="BM JUA OTF" panose="02020603020101020101" pitchFamily="18" charset="-127"/>
+                <a:ea typeface="BM JUA OTF" panose="02020603020101020101" pitchFamily="18" charset="-127"/>
+              </a:rPr>
+              <a:t>Main Thread</a:t>
+            </a:r>
+            <a:endParaRPr lang="ko-KR" altLang="en-US" sz="1600" dirty="0">
+              <a:latin typeface="BM JUA OTF" panose="02020603020101020101" pitchFamily="18" charset="-127"/>
+              <a:ea typeface="BM JUA OTF" panose="02020603020101020101" pitchFamily="18" charset="-127"/>
+            </a:endParaRPr>
+          </a:p>
+        </p:txBody>
+      </p:sp>
+      <p:cxnSp>
+        <p:nvCxnSpPr>
+          <p:cNvPr id="15" name="직선 연결선[R] 14">
+            <a:extLst>
+              <a:ext uri="{FF2B5EF4-FFF2-40B4-BE49-F238E27FC236}">
+                <a16:creationId xmlns:a16="http://schemas.microsoft.com/office/drawing/2014/main" id="{1A3DF0F6-A429-5D4D-B0C6-1F2C275A9B37}"/>
+              </a:ext>
+            </a:extLst>
+          </p:cNvPr>
+          <p:cNvCxnSpPr>
+            <a:cxnSpLocks/>
+            <a:stCxn id="8" idx="6"/>
+          </p:cNvCxnSpPr>
+          <p:nvPr/>
+        </p:nvCxnSpPr>
+        <p:spPr>
+          <a:xfrm>
+            <a:off x="5214791" y="2714887"/>
+            <a:ext cx="2941356" cy="815182"/>
+          </a:xfrm>
+          <a:prstGeom prst="line">
+            <a:avLst/>
+          </a:prstGeom>
+          <a:ln w="38100">
+            <a:solidFill>
+              <a:srgbClr val="FFA02E"/>
+            </a:solidFill>
+          </a:ln>
+        </p:spPr>
+        <p:style>
+          <a:lnRef idx="1">
+            <a:schemeClr val="accent1"/>
+          </a:lnRef>
+          <a:fillRef idx="0">
+            <a:schemeClr val="accent1"/>
+          </a:fillRef>
+          <a:effectRef idx="0">
+            <a:schemeClr val="accent1"/>
+          </a:effectRef>
+          <a:fontRef idx="minor">
+            <a:schemeClr val="tx1"/>
+          </a:fontRef>
+        </p:style>
+      </p:cxnSp>
+      <p:cxnSp>
+        <p:nvCxnSpPr>
+          <p:cNvPr id="17" name="직선 연결선[R] 16">
+            <a:extLst>
+              <a:ext uri="{FF2B5EF4-FFF2-40B4-BE49-F238E27FC236}">
+                <a16:creationId xmlns:a16="http://schemas.microsoft.com/office/drawing/2014/main" id="{C16A2D97-49AA-5C48-9AF4-4C0989EEEF09}"/>
+              </a:ext>
+            </a:extLst>
+          </p:cNvPr>
+          <p:cNvCxnSpPr>
+            <a:cxnSpLocks/>
+          </p:cNvCxnSpPr>
+          <p:nvPr/>
+        </p:nvCxnSpPr>
+        <p:spPr>
+          <a:xfrm>
+            <a:off x="8145261" y="3503939"/>
+            <a:ext cx="4973" cy="2093954"/>
+          </a:xfrm>
+          <a:prstGeom prst="line">
+            <a:avLst/>
+          </a:prstGeom>
+          <a:ln w="38100">
+            <a:solidFill>
+              <a:srgbClr val="FFA02E"/>
+            </a:solidFill>
+          </a:ln>
+        </p:spPr>
+        <p:style>
+          <a:lnRef idx="1">
+            <a:schemeClr val="accent1"/>
+          </a:lnRef>
+          <a:fillRef idx="0">
+            <a:schemeClr val="accent1"/>
+          </a:fillRef>
+          <a:effectRef idx="0">
+            <a:schemeClr val="accent1"/>
+          </a:effectRef>
+          <a:fontRef idx="minor">
+            <a:schemeClr val="tx1"/>
+          </a:fontRef>
+        </p:style>
+      </p:cxnSp>
+      <p:sp>
+        <p:nvSpPr>
+          <p:cNvPr id="19" name="직사각형 18">
+            <a:extLst>
+              <a:ext uri="{FF2B5EF4-FFF2-40B4-BE49-F238E27FC236}">
+                <a16:creationId xmlns:a16="http://schemas.microsoft.com/office/drawing/2014/main" id="{C8D466DE-4346-124A-90E1-1B2F91F4D01D}"/>
+              </a:ext>
+            </a:extLst>
+          </p:cNvPr>
+          <p:cNvSpPr/>
+          <p:nvPr/>
+        </p:nvSpPr>
+        <p:spPr>
+          <a:xfrm>
+            <a:off x="4004942" y="2596369"/>
+            <a:ext cx="901209" cy="307777"/>
+          </a:xfrm>
+          <a:prstGeom prst="rect">
+            <a:avLst/>
+          </a:prstGeom>
+        </p:spPr>
+        <p:txBody>
+          <a:bodyPr wrap="none">
+            <a:spAutoFit/>
+          </a:bodyPr>
+          <a:lstStyle/>
+          <a:p>
+            <a:r>
+              <a:rPr lang="en" altLang="ko-KR" sz="1400" dirty="0" err="1">
+                <a:latin typeface="BM JUA OTF" panose="02020603020101020101" pitchFamily="18" charset="-127"/>
+                <a:ea typeface="BM JUA OTF" panose="02020603020101020101" pitchFamily="18" charset="-127"/>
+              </a:rPr>
+              <a:t>a.start</a:t>
+            </a:r>
+            <a:r>
+              <a:rPr lang="en" altLang="ko-KR" sz="1400" dirty="0">
+                <a:latin typeface="BM JUA OTF" panose="02020603020101020101" pitchFamily="18" charset="-127"/>
+                <a:ea typeface="BM JUA OTF" panose="02020603020101020101" pitchFamily="18" charset="-127"/>
+              </a:rPr>
+              <a:t>()</a:t>
+            </a:r>
+            <a:endParaRPr lang="ko-KR" altLang="en-US" sz="1400" dirty="0">
+              <a:latin typeface="BM JUA OTF" panose="02020603020101020101" pitchFamily="18" charset="-127"/>
+              <a:ea typeface="BM JUA OTF" panose="02020603020101020101" pitchFamily="18" charset="-127"/>
+            </a:endParaRPr>
+          </a:p>
+        </p:txBody>
+      </p:sp>
+      <p:sp>
+        <p:nvSpPr>
+          <p:cNvPr id="20" name="직사각형 19">
+            <a:extLst>
+              <a:ext uri="{FF2B5EF4-FFF2-40B4-BE49-F238E27FC236}">
+                <a16:creationId xmlns:a16="http://schemas.microsoft.com/office/drawing/2014/main" id="{427F8A24-0A8E-264E-AAE7-FEC7462B2EE0}"/>
+              </a:ext>
+            </a:extLst>
+          </p:cNvPr>
+          <p:cNvSpPr/>
+          <p:nvPr/>
+        </p:nvSpPr>
+        <p:spPr>
+          <a:xfrm>
+            <a:off x="7587994" y="3007736"/>
+            <a:ext cx="1401346" cy="338554"/>
+          </a:xfrm>
+          <a:prstGeom prst="rect">
+            <a:avLst/>
+          </a:prstGeom>
+        </p:spPr>
+        <p:txBody>
+          <a:bodyPr wrap="none">
+            <a:spAutoFit/>
+          </a:bodyPr>
+          <a:lstStyle/>
+          <a:p>
+            <a:r>
+              <a:rPr lang="en-US" altLang="ko-KR" sz="1600" dirty="0">
+                <a:solidFill>
+                  <a:srgbClr val="FFA02E"/>
+                </a:solidFill>
+                <a:latin typeface="BM JUA OTF" panose="02020603020101020101" pitchFamily="18" charset="-127"/>
+                <a:ea typeface="BM JUA OTF" panose="02020603020101020101" pitchFamily="18" charset="-127"/>
+              </a:rPr>
+              <a:t>Sub Thread</a:t>
+            </a:r>
+            <a:r>
+              <a:rPr lang="ko-KR" altLang="en-US" sz="1600" dirty="0">
+                <a:solidFill>
+                  <a:srgbClr val="FFA02E"/>
+                </a:solidFill>
+                <a:latin typeface="BM JUA OTF" panose="02020603020101020101" pitchFamily="18" charset="-127"/>
+                <a:ea typeface="BM JUA OTF" panose="02020603020101020101" pitchFamily="18" charset="-127"/>
+              </a:rPr>
+              <a:t> </a:t>
+            </a:r>
+            <a:r>
+              <a:rPr lang="en-US" altLang="ko-KR" sz="1600" dirty="0">
+                <a:solidFill>
+                  <a:srgbClr val="FFA02E"/>
+                </a:solidFill>
+                <a:latin typeface="BM JUA OTF" panose="02020603020101020101" pitchFamily="18" charset="-127"/>
+                <a:ea typeface="BM JUA OTF" panose="02020603020101020101" pitchFamily="18" charset="-127"/>
+              </a:rPr>
+              <a:t>A</a:t>
+            </a:r>
+            <a:endParaRPr lang="ko-KR" altLang="en-US" sz="1600" dirty="0">
+              <a:solidFill>
+                <a:srgbClr val="FFA02E"/>
+              </a:solidFill>
+              <a:latin typeface="BM JUA OTF" panose="02020603020101020101" pitchFamily="18" charset="-127"/>
+              <a:ea typeface="BM JUA OTF" panose="02020603020101020101" pitchFamily="18" charset="-127"/>
+            </a:endParaRPr>
+          </a:p>
+        </p:txBody>
+      </p:sp>
+      <p:sp>
+        <p:nvSpPr>
+          <p:cNvPr id="21" name="직사각형 20">
+            <a:extLst>
+              <a:ext uri="{FF2B5EF4-FFF2-40B4-BE49-F238E27FC236}">
+                <a16:creationId xmlns:a16="http://schemas.microsoft.com/office/drawing/2014/main" id="{28072943-20BB-0041-B258-D3E7544A67D1}"/>
+              </a:ext>
+            </a:extLst>
+          </p:cNvPr>
+          <p:cNvSpPr/>
+          <p:nvPr/>
+        </p:nvSpPr>
+        <p:spPr>
+          <a:xfrm>
+            <a:off x="1973938" y="5201005"/>
+            <a:ext cx="2932213" cy="307777"/>
+          </a:xfrm>
+          <a:prstGeom prst="rect">
+            <a:avLst/>
+          </a:prstGeom>
+        </p:spPr>
+        <p:txBody>
+          <a:bodyPr wrap="none">
+            <a:spAutoFit/>
+          </a:bodyPr>
+          <a:lstStyle/>
+          <a:p>
+            <a:r>
+              <a:rPr lang="en" altLang="ko-KR" sz="1400" dirty="0">
+                <a:latin typeface="BM JUA OTF" panose="02020603020101020101" pitchFamily="18" charset="-127"/>
+                <a:ea typeface="BM JUA OTF" panose="02020603020101020101" pitchFamily="18" charset="-127"/>
+              </a:rPr>
+              <a:t>[Main-Thread] </a:t>
+            </a:r>
+            <a:r>
+              <a:rPr lang="ko-KR" altLang="en-US" sz="1400" dirty="0">
+                <a:latin typeface="BM JUA OTF" panose="02020603020101020101" pitchFamily="18" charset="-127"/>
+                <a:ea typeface="BM JUA OTF" panose="02020603020101020101" pitchFamily="18" charset="-127"/>
+              </a:rPr>
+              <a:t>프로그램을 종료합니다</a:t>
+            </a:r>
+            <a:r>
+              <a:rPr lang="en-US" altLang="ko-KR" sz="1400" dirty="0">
+                <a:latin typeface="BM JUA OTF" panose="02020603020101020101" pitchFamily="18" charset="-127"/>
+                <a:ea typeface="BM JUA OTF" panose="02020603020101020101" pitchFamily="18" charset="-127"/>
+              </a:rPr>
+              <a:t>.</a:t>
+            </a:r>
+            <a:endParaRPr lang="ko-KR" altLang="en-US" sz="1400" dirty="0">
+              <a:latin typeface="BM JUA OTF" panose="02020603020101020101" pitchFamily="18" charset="-127"/>
+              <a:ea typeface="BM JUA OTF" panose="02020603020101020101" pitchFamily="18" charset="-127"/>
+            </a:endParaRPr>
+          </a:p>
+        </p:txBody>
+      </p:sp>
+      <p:sp>
+        <p:nvSpPr>
+          <p:cNvPr id="22" name="직사각형 21">
+            <a:extLst>
+              <a:ext uri="{FF2B5EF4-FFF2-40B4-BE49-F238E27FC236}">
+                <a16:creationId xmlns:a16="http://schemas.microsoft.com/office/drawing/2014/main" id="{67DA434E-91FC-9C40-8A53-0DBDEE0C824C}"/>
+              </a:ext>
+            </a:extLst>
+          </p:cNvPr>
+          <p:cNvSpPr/>
+          <p:nvPr/>
+        </p:nvSpPr>
+        <p:spPr>
+          <a:xfrm>
+            <a:off x="8156147" y="3730559"/>
+            <a:ext cx="2313454" cy="307777"/>
+          </a:xfrm>
+          <a:prstGeom prst="rect">
+            <a:avLst/>
+          </a:prstGeom>
+        </p:spPr>
+        <p:txBody>
+          <a:bodyPr wrap="none">
+            <a:spAutoFit/>
+          </a:bodyPr>
+          <a:lstStyle/>
+          <a:p>
+            <a:r>
+              <a:rPr lang="en" altLang="ko-KR" sz="1400" dirty="0">
+                <a:solidFill>
+                  <a:srgbClr val="FFA02E"/>
+                </a:solidFill>
+                <a:latin typeface="BM JUA OTF" panose="02020603020101020101" pitchFamily="18" charset="-127"/>
+                <a:ea typeface="BM JUA OTF" panose="02020603020101020101" pitchFamily="18" charset="-127"/>
+              </a:rPr>
+              <a:t>[Sub-Thread] A: </a:t>
+            </a:r>
+            <a:r>
+              <a:rPr lang="ko-KR" altLang="en-US" sz="1400" dirty="0">
+                <a:solidFill>
+                  <a:srgbClr val="FFA02E"/>
+                </a:solidFill>
+                <a:latin typeface="BM JUA OTF" panose="02020603020101020101" pitchFamily="18" charset="-127"/>
+                <a:ea typeface="BM JUA OTF" panose="02020603020101020101" pitchFamily="18" charset="-127"/>
+              </a:rPr>
+              <a:t>시작합니다</a:t>
+            </a:r>
+            <a:r>
+              <a:rPr lang="en-US" altLang="ko-KR" sz="1400" dirty="0">
+                <a:solidFill>
+                  <a:srgbClr val="FFA02E"/>
+                </a:solidFill>
+                <a:latin typeface="BM JUA OTF" panose="02020603020101020101" pitchFamily="18" charset="-127"/>
+                <a:ea typeface="BM JUA OTF" panose="02020603020101020101" pitchFamily="18" charset="-127"/>
+              </a:rPr>
+              <a:t>.</a:t>
+            </a:r>
+            <a:endParaRPr lang="ko-KR" altLang="en-US" sz="1400" dirty="0">
+              <a:solidFill>
+                <a:srgbClr val="FFA02E"/>
+              </a:solidFill>
+              <a:latin typeface="BM JUA OTF" panose="02020603020101020101" pitchFamily="18" charset="-127"/>
+              <a:ea typeface="BM JUA OTF" panose="02020603020101020101" pitchFamily="18" charset="-127"/>
+            </a:endParaRPr>
+          </a:p>
+        </p:txBody>
+      </p:sp>
+      <p:sp>
+        <p:nvSpPr>
+          <p:cNvPr id="28" name="직사각형 27">
+            <a:extLst>
+              <a:ext uri="{FF2B5EF4-FFF2-40B4-BE49-F238E27FC236}">
+                <a16:creationId xmlns:a16="http://schemas.microsoft.com/office/drawing/2014/main" id="{D3497E85-6B8C-7A46-8ED3-C0628E188EDB}"/>
+              </a:ext>
+            </a:extLst>
+          </p:cNvPr>
+          <p:cNvSpPr/>
+          <p:nvPr/>
+        </p:nvSpPr>
+        <p:spPr>
+          <a:xfrm>
+            <a:off x="8172332" y="4079389"/>
+            <a:ext cx="461986" cy="307777"/>
+          </a:xfrm>
+          <a:prstGeom prst="rect">
+            <a:avLst/>
+          </a:prstGeom>
+        </p:spPr>
+        <p:txBody>
+          <a:bodyPr wrap="none">
+            <a:spAutoFit/>
+          </a:bodyPr>
+          <a:lstStyle/>
+          <a:p>
+            <a:r>
+              <a:rPr lang="en-US" altLang="ko-KR" sz="1400" dirty="0">
+                <a:solidFill>
+                  <a:srgbClr val="FFA02E"/>
+                </a:solidFill>
+                <a:latin typeface="BM JUA OTF" panose="02020603020101020101" pitchFamily="18" charset="-127"/>
+                <a:ea typeface="BM JUA OTF" panose="02020603020101020101" pitchFamily="18" charset="-127"/>
+              </a:rPr>
+              <a:t>A:0</a:t>
+            </a:r>
+            <a:endParaRPr lang="ko-KR" altLang="en-US" sz="1400" dirty="0">
+              <a:solidFill>
+                <a:srgbClr val="FFA02E"/>
+              </a:solidFill>
+              <a:latin typeface="BM JUA OTF" panose="02020603020101020101" pitchFamily="18" charset="-127"/>
+              <a:ea typeface="BM JUA OTF" panose="02020603020101020101" pitchFamily="18" charset="-127"/>
+            </a:endParaRPr>
+          </a:p>
+        </p:txBody>
+      </p:sp>
+      <p:sp>
+        <p:nvSpPr>
+          <p:cNvPr id="33" name="타원 32">
+            <a:extLst>
+              <a:ext uri="{FF2B5EF4-FFF2-40B4-BE49-F238E27FC236}">
+                <a16:creationId xmlns:a16="http://schemas.microsoft.com/office/drawing/2014/main" id="{31E9E0E1-E840-804C-A882-AD2108195C22}"/>
+              </a:ext>
+            </a:extLst>
+          </p:cNvPr>
+          <p:cNvSpPr/>
+          <p:nvPr/>
+        </p:nvSpPr>
+        <p:spPr>
+          <a:xfrm>
+            <a:off x="4949748" y="3233406"/>
+            <a:ext cx="265043" cy="265043"/>
+          </a:xfrm>
+          <a:prstGeom prst="ellipse">
+            <a:avLst/>
+          </a:prstGeom>
+          <a:solidFill>
+            <a:srgbClr val="30B401"/>
+          </a:solidFill>
+          <a:ln w="25400">
+            <a:solidFill>
+              <a:srgbClr val="432E2E"/>
+            </a:solidFill>
+          </a:ln>
+        </p:spPr>
+        <p:style>
+          <a:lnRef idx="2">
+            <a:schemeClr val="accent1">
+              <a:shade val="50000"/>
+            </a:schemeClr>
+          </a:lnRef>
+          <a:fillRef idx="1">
+            <a:schemeClr val="accent1"/>
+          </a:fillRef>
+          <a:effectRef idx="0">
+            <a:schemeClr val="accent1"/>
+          </a:effectRef>
+          <a:fontRef idx="minor">
+            <a:schemeClr val="lt1"/>
+          </a:fontRef>
+        </p:style>
+        <p:txBody>
+          <a:bodyPr rtlCol="0" anchor="ctr"/>
+          <a:lstStyle/>
+          <a:p>
+            <a:pPr algn="ctr"/>
+            <a:endParaRPr kumimoji="1" lang="ko-KR" altLang="en-US"/>
+          </a:p>
+        </p:txBody>
+      </p:sp>
+      <p:pic>
+        <p:nvPicPr>
+          <p:cNvPr id="35" name="그림 34">
+            <a:extLst>
+              <a:ext uri="{FF2B5EF4-FFF2-40B4-BE49-F238E27FC236}">
+                <a16:creationId xmlns:a16="http://schemas.microsoft.com/office/drawing/2014/main" id="{8D8894AF-05DD-E445-8F70-5C2B49398D4A}"/>
+              </a:ext>
+            </a:extLst>
+          </p:cNvPr>
+          <p:cNvPicPr>
+            <a:picLocks noChangeAspect="1"/>
+          </p:cNvPicPr>
+          <p:nvPr/>
+        </p:nvPicPr>
+        <p:blipFill>
+          <a:blip r:embed="rId4"/>
+          <a:stretch>
+            <a:fillRect/>
+          </a:stretch>
+        </p:blipFill>
+        <p:spPr>
+          <a:xfrm>
+            <a:off x="-1354017" y="4387166"/>
+            <a:ext cx="1031769" cy="1055764"/>
+          </a:xfrm>
+          <a:prstGeom prst="rect">
+            <a:avLst/>
+          </a:prstGeom>
+        </p:spPr>
+      </p:pic>
+      <p:pic>
+        <p:nvPicPr>
+          <p:cNvPr id="37" name="그림 36" descr="광장이(가) 표시된 사진&#10;&#10;자동 생성된 설명">
+            <a:extLst>
+              <a:ext uri="{FF2B5EF4-FFF2-40B4-BE49-F238E27FC236}">
+                <a16:creationId xmlns:a16="http://schemas.microsoft.com/office/drawing/2014/main" id="{2AD8ADEE-2F44-E242-95EE-4A9400D493F1}"/>
+              </a:ext>
+            </a:extLst>
+          </p:cNvPr>
+          <p:cNvPicPr>
+            <a:picLocks noChangeAspect="1"/>
+          </p:cNvPicPr>
+          <p:nvPr/>
+        </p:nvPicPr>
+        <p:blipFill>
+          <a:blip r:embed="rId5"/>
+          <a:stretch>
+            <a:fillRect/>
+          </a:stretch>
+        </p:blipFill>
+        <p:spPr>
+          <a:xfrm>
+            <a:off x="-1282701" y="5421723"/>
+            <a:ext cx="941028" cy="843374"/>
+          </a:xfrm>
+          <a:prstGeom prst="rect">
+            <a:avLst/>
+          </a:prstGeom>
+        </p:spPr>
+      </p:pic>
+      <p:cxnSp>
+        <p:nvCxnSpPr>
+          <p:cNvPr id="38" name="직선 연결선[R] 37">
+            <a:extLst>
+              <a:ext uri="{FF2B5EF4-FFF2-40B4-BE49-F238E27FC236}">
+                <a16:creationId xmlns:a16="http://schemas.microsoft.com/office/drawing/2014/main" id="{246CF204-5EBF-FD43-A643-CFC0A12D84AA}"/>
+              </a:ext>
+            </a:extLst>
+          </p:cNvPr>
+          <p:cNvCxnSpPr>
+            <a:cxnSpLocks/>
+          </p:cNvCxnSpPr>
+          <p:nvPr/>
+        </p:nvCxnSpPr>
+        <p:spPr>
+          <a:xfrm>
+            <a:off x="5203905" y="3397319"/>
+            <a:ext cx="663495" cy="183885"/>
+          </a:xfrm>
+          <a:prstGeom prst="line">
+            <a:avLst/>
+          </a:prstGeom>
+          <a:ln w="38100">
+            <a:solidFill>
+              <a:srgbClr val="30B401"/>
+            </a:solidFill>
+          </a:ln>
+        </p:spPr>
+        <p:style>
+          <a:lnRef idx="1">
+            <a:schemeClr val="accent1"/>
+          </a:lnRef>
+          <a:fillRef idx="0">
+            <a:schemeClr val="accent1"/>
+          </a:fillRef>
+          <a:effectRef idx="0">
+            <a:schemeClr val="accent1"/>
+          </a:effectRef>
+          <a:fontRef idx="minor">
+            <a:schemeClr val="tx1"/>
+          </a:fontRef>
+        </p:style>
+      </p:cxnSp>
+      <p:cxnSp>
+        <p:nvCxnSpPr>
+          <p:cNvPr id="40" name="직선 연결선[R] 39">
+            <a:extLst>
+              <a:ext uri="{FF2B5EF4-FFF2-40B4-BE49-F238E27FC236}">
+                <a16:creationId xmlns:a16="http://schemas.microsoft.com/office/drawing/2014/main" id="{C0BF1EAC-F9B2-EF4B-B12B-117FDEE5D5AA}"/>
+              </a:ext>
+            </a:extLst>
+          </p:cNvPr>
+          <p:cNvCxnSpPr>
+            <a:cxnSpLocks/>
+          </p:cNvCxnSpPr>
+          <p:nvPr/>
+        </p:nvCxnSpPr>
+        <p:spPr>
+          <a:xfrm>
+            <a:off x="5867400" y="3581204"/>
+            <a:ext cx="0" cy="2016689"/>
+          </a:xfrm>
+          <a:prstGeom prst="line">
+            <a:avLst/>
+          </a:prstGeom>
+          <a:ln w="38100">
+            <a:solidFill>
+              <a:srgbClr val="30B401"/>
+            </a:solidFill>
+          </a:ln>
+        </p:spPr>
+        <p:style>
+          <a:lnRef idx="1">
+            <a:schemeClr val="accent1"/>
+          </a:lnRef>
+          <a:fillRef idx="0">
+            <a:schemeClr val="accent1"/>
+          </a:fillRef>
+          <a:effectRef idx="0">
+            <a:schemeClr val="accent1"/>
+          </a:effectRef>
+          <a:fontRef idx="minor">
+            <a:schemeClr val="tx1"/>
+          </a:fontRef>
+        </p:style>
+      </p:cxnSp>
+      <p:sp>
+        <p:nvSpPr>
+          <p:cNvPr id="43" name="직사각형 42">
+            <a:extLst>
+              <a:ext uri="{FF2B5EF4-FFF2-40B4-BE49-F238E27FC236}">
+                <a16:creationId xmlns:a16="http://schemas.microsoft.com/office/drawing/2014/main" id="{57310226-D159-8246-941F-19DB6E5A5321}"/>
+              </a:ext>
+            </a:extLst>
+          </p:cNvPr>
+          <p:cNvSpPr/>
+          <p:nvPr/>
+        </p:nvSpPr>
+        <p:spPr>
+          <a:xfrm>
+            <a:off x="5553175" y="3191515"/>
+            <a:ext cx="1372492" cy="338554"/>
+          </a:xfrm>
+          <a:prstGeom prst="rect">
+            <a:avLst/>
+          </a:prstGeom>
+        </p:spPr>
+        <p:txBody>
+          <a:bodyPr wrap="none">
+            <a:spAutoFit/>
+          </a:bodyPr>
+          <a:lstStyle/>
+          <a:p>
+            <a:r>
+              <a:rPr lang="en-US" altLang="ko-KR" sz="1600" dirty="0">
+                <a:solidFill>
+                  <a:srgbClr val="30B401"/>
+                </a:solidFill>
+                <a:latin typeface="BM JUA OTF" panose="02020603020101020101" pitchFamily="18" charset="-127"/>
+                <a:ea typeface="BM JUA OTF" panose="02020603020101020101" pitchFamily="18" charset="-127"/>
+              </a:rPr>
+              <a:t>Sub Thread</a:t>
+            </a:r>
+            <a:r>
+              <a:rPr lang="ko-KR" altLang="en-US" sz="1600" dirty="0">
+                <a:solidFill>
+                  <a:srgbClr val="30B401"/>
+                </a:solidFill>
+                <a:latin typeface="BM JUA OTF" panose="02020603020101020101" pitchFamily="18" charset="-127"/>
+                <a:ea typeface="BM JUA OTF" panose="02020603020101020101" pitchFamily="18" charset="-127"/>
+              </a:rPr>
+              <a:t> </a:t>
+            </a:r>
+            <a:r>
+              <a:rPr lang="en-US" altLang="ko-KR" sz="1600" dirty="0">
+                <a:solidFill>
+                  <a:srgbClr val="30B401"/>
+                </a:solidFill>
+                <a:latin typeface="BM JUA OTF" panose="02020603020101020101" pitchFamily="18" charset="-127"/>
+                <a:ea typeface="BM JUA OTF" panose="02020603020101020101" pitchFamily="18" charset="-127"/>
+              </a:rPr>
+              <a:t>B</a:t>
+            </a:r>
+            <a:endParaRPr lang="ko-KR" altLang="en-US" sz="1600" dirty="0">
+              <a:solidFill>
+                <a:srgbClr val="30B401"/>
+              </a:solidFill>
+              <a:latin typeface="BM JUA OTF" panose="02020603020101020101" pitchFamily="18" charset="-127"/>
+              <a:ea typeface="BM JUA OTF" panose="02020603020101020101" pitchFamily="18" charset="-127"/>
+            </a:endParaRPr>
+          </a:p>
+        </p:txBody>
+      </p:sp>
+      <p:sp>
+        <p:nvSpPr>
+          <p:cNvPr id="44" name="직사각형 43">
+            <a:extLst>
+              <a:ext uri="{FF2B5EF4-FFF2-40B4-BE49-F238E27FC236}">
+                <a16:creationId xmlns:a16="http://schemas.microsoft.com/office/drawing/2014/main" id="{2DDE2553-2442-E945-8888-E1101BF4E6DB}"/>
+              </a:ext>
+            </a:extLst>
+          </p:cNvPr>
+          <p:cNvSpPr/>
+          <p:nvPr/>
+        </p:nvSpPr>
+        <p:spPr>
+          <a:xfrm>
+            <a:off x="8222906" y="4890592"/>
+            <a:ext cx="425116" cy="307777"/>
+          </a:xfrm>
+          <a:prstGeom prst="rect">
+            <a:avLst/>
+          </a:prstGeom>
+        </p:spPr>
+        <p:txBody>
+          <a:bodyPr wrap="none">
+            <a:spAutoFit/>
+          </a:bodyPr>
+          <a:lstStyle/>
+          <a:p>
+            <a:r>
+              <a:rPr lang="en-US" altLang="ko-KR" sz="1400" dirty="0">
+                <a:solidFill>
+                  <a:srgbClr val="FFA02E"/>
+                </a:solidFill>
+                <a:latin typeface="BM JUA OTF" panose="02020603020101020101" pitchFamily="18" charset="-127"/>
+                <a:ea typeface="BM JUA OTF" panose="02020603020101020101" pitchFamily="18" charset="-127"/>
+              </a:rPr>
+              <a:t>A:1</a:t>
+            </a:r>
+            <a:endParaRPr lang="ko-KR" altLang="en-US" sz="1400" dirty="0">
+              <a:solidFill>
+                <a:srgbClr val="FFA02E"/>
+              </a:solidFill>
+              <a:latin typeface="BM JUA OTF" panose="02020603020101020101" pitchFamily="18" charset="-127"/>
+              <a:ea typeface="BM JUA OTF" panose="02020603020101020101" pitchFamily="18" charset="-127"/>
+            </a:endParaRPr>
+          </a:p>
+        </p:txBody>
+      </p:sp>
+      <p:sp>
+        <p:nvSpPr>
+          <p:cNvPr id="45" name="직사각형 44">
+            <a:extLst>
+              <a:ext uri="{FF2B5EF4-FFF2-40B4-BE49-F238E27FC236}">
+                <a16:creationId xmlns:a16="http://schemas.microsoft.com/office/drawing/2014/main" id="{71F030B0-2917-364D-B76D-D7386DA87779}"/>
+              </a:ext>
+            </a:extLst>
+          </p:cNvPr>
+          <p:cNvSpPr/>
+          <p:nvPr/>
+        </p:nvSpPr>
+        <p:spPr>
+          <a:xfrm>
+            <a:off x="5867400" y="4150287"/>
+            <a:ext cx="2287806" cy="307777"/>
+          </a:xfrm>
+          <a:prstGeom prst="rect">
+            <a:avLst/>
+          </a:prstGeom>
+        </p:spPr>
+        <p:txBody>
+          <a:bodyPr wrap="none">
+            <a:spAutoFit/>
+          </a:bodyPr>
+          <a:lstStyle/>
+          <a:p>
+            <a:r>
+              <a:rPr lang="en-US" altLang="ko-KR" sz="1400" dirty="0">
+                <a:solidFill>
+                  <a:srgbClr val="30B401"/>
+                </a:solidFill>
+                <a:latin typeface="BM JUA OTF" panose="02020603020101020101" pitchFamily="18" charset="-127"/>
+                <a:ea typeface="BM JUA OTF" panose="02020603020101020101" pitchFamily="18" charset="-127"/>
+              </a:rPr>
+              <a:t>[Sub-Thread] B: </a:t>
+            </a:r>
+            <a:r>
+              <a:rPr lang="ko-KR" altLang="en-US" sz="1400" dirty="0">
+                <a:solidFill>
+                  <a:srgbClr val="30B401"/>
+                </a:solidFill>
+                <a:latin typeface="BM JUA OTF" panose="02020603020101020101" pitchFamily="18" charset="-127"/>
+                <a:ea typeface="BM JUA OTF" panose="02020603020101020101" pitchFamily="18" charset="-127"/>
+              </a:rPr>
+              <a:t>시작합니다</a:t>
+            </a:r>
+            <a:r>
+              <a:rPr lang="en-US" altLang="ko-KR" sz="1400" dirty="0">
+                <a:solidFill>
+                  <a:srgbClr val="30B401"/>
+                </a:solidFill>
+                <a:latin typeface="BM JUA OTF" panose="02020603020101020101" pitchFamily="18" charset="-127"/>
+                <a:ea typeface="BM JUA OTF" panose="02020603020101020101" pitchFamily="18" charset="-127"/>
+              </a:rPr>
+              <a:t>.</a:t>
+            </a:r>
+            <a:endParaRPr lang="ko-KR" altLang="en-US" sz="1400" dirty="0">
+              <a:solidFill>
+                <a:srgbClr val="30B401"/>
+              </a:solidFill>
+              <a:latin typeface="BM JUA OTF" panose="02020603020101020101" pitchFamily="18" charset="-127"/>
+              <a:ea typeface="BM JUA OTF" panose="02020603020101020101" pitchFamily="18" charset="-127"/>
+            </a:endParaRPr>
+          </a:p>
+        </p:txBody>
+      </p:sp>
+      <p:sp>
+        <p:nvSpPr>
+          <p:cNvPr id="46" name="직사각형 45">
+            <a:extLst>
+              <a:ext uri="{FF2B5EF4-FFF2-40B4-BE49-F238E27FC236}">
+                <a16:creationId xmlns:a16="http://schemas.microsoft.com/office/drawing/2014/main" id="{3A3CA31B-60CA-D845-81EE-3A967E624E1E}"/>
+              </a:ext>
+            </a:extLst>
+          </p:cNvPr>
+          <p:cNvSpPr/>
+          <p:nvPr/>
+        </p:nvSpPr>
+        <p:spPr>
+          <a:xfrm>
+            <a:off x="5945045" y="4735795"/>
+            <a:ext cx="436338" cy="307777"/>
+          </a:xfrm>
+          <a:prstGeom prst="rect">
+            <a:avLst/>
+          </a:prstGeom>
+        </p:spPr>
+        <p:txBody>
+          <a:bodyPr wrap="none">
+            <a:spAutoFit/>
+          </a:bodyPr>
+          <a:lstStyle/>
+          <a:p>
+            <a:r>
+              <a:rPr lang="en-US" altLang="ko-KR" sz="1400" dirty="0">
+                <a:solidFill>
+                  <a:srgbClr val="30B401"/>
+                </a:solidFill>
+                <a:latin typeface="BM JUA OTF" panose="02020603020101020101" pitchFamily="18" charset="-127"/>
+                <a:ea typeface="BM JUA OTF" panose="02020603020101020101" pitchFamily="18" charset="-127"/>
+              </a:rPr>
+              <a:t>B:0</a:t>
+            </a:r>
+            <a:endParaRPr lang="ko-KR" altLang="en-US" sz="1400" dirty="0">
+              <a:solidFill>
+                <a:srgbClr val="30B401"/>
+              </a:solidFill>
+              <a:latin typeface="BM JUA OTF" panose="02020603020101020101" pitchFamily="18" charset="-127"/>
+              <a:ea typeface="BM JUA OTF" panose="02020603020101020101" pitchFamily="18" charset="-127"/>
+            </a:endParaRPr>
+          </a:p>
+        </p:txBody>
+      </p:sp>
+      <p:sp>
+        <p:nvSpPr>
+          <p:cNvPr id="55" name="직사각형 54">
+            <a:extLst>
+              <a:ext uri="{FF2B5EF4-FFF2-40B4-BE49-F238E27FC236}">
+                <a16:creationId xmlns:a16="http://schemas.microsoft.com/office/drawing/2014/main" id="{424EDE7C-C026-1B48-ADD1-7D5B52244898}"/>
+              </a:ext>
+            </a:extLst>
+          </p:cNvPr>
+          <p:cNvSpPr/>
+          <p:nvPr/>
+        </p:nvSpPr>
+        <p:spPr>
+          <a:xfrm>
+            <a:off x="4026441" y="3222292"/>
+            <a:ext cx="883575" cy="307777"/>
+          </a:xfrm>
+          <a:prstGeom prst="rect">
+            <a:avLst/>
+          </a:prstGeom>
+        </p:spPr>
+        <p:txBody>
+          <a:bodyPr wrap="none">
+            <a:spAutoFit/>
+          </a:bodyPr>
+          <a:lstStyle/>
+          <a:p>
+            <a:r>
+              <a:rPr lang="en-US" altLang="ko-KR" sz="1400" dirty="0">
+                <a:latin typeface="BM JUA OTF" panose="02020603020101020101" pitchFamily="18" charset="-127"/>
+                <a:ea typeface="BM JUA OTF" panose="02020603020101020101" pitchFamily="18" charset="-127"/>
+              </a:rPr>
+              <a:t>b</a:t>
+            </a:r>
+            <a:r>
+              <a:rPr lang="en" altLang="ko-KR" sz="1400" dirty="0">
+                <a:latin typeface="BM JUA OTF" panose="02020603020101020101" pitchFamily="18" charset="-127"/>
+                <a:ea typeface="BM JUA OTF" panose="02020603020101020101" pitchFamily="18" charset="-127"/>
+              </a:rPr>
+              <a:t>.start()</a:t>
+            </a:r>
+            <a:endParaRPr lang="ko-KR" altLang="en-US" sz="1400" dirty="0">
+              <a:latin typeface="BM JUA OTF" panose="02020603020101020101" pitchFamily="18" charset="-127"/>
+              <a:ea typeface="BM JUA OTF" panose="02020603020101020101" pitchFamily="18" charset="-127"/>
+            </a:endParaRPr>
+          </a:p>
+        </p:txBody>
+      </p:sp>
+    </p:spTree>
+    <p:extLst>
+      <p:ext uri="{BB962C8B-B14F-4D97-AF65-F5344CB8AC3E}">
+        <p14:creationId xmlns:p14="http://schemas.microsoft.com/office/powerpoint/2010/main" val="4084040739"/>
+      </p:ext>
+    </p:extLst>
+  </p:cSld>
+  <p:clrMapOvr>
+    <a:masterClrMapping/>
+  </p:clrMapOvr>
+</p:sld>
+</file>
+
+<file path=ppt/slides/slide3.xml><?xml version="1.0" encoding="utf-8"?>
+<p:sld xmlns:a="http://schemas.openxmlformats.org/drawingml/2006/main" xmlns:r="http://schemas.openxmlformats.org/officeDocument/2006/relationships" xmlns:p="http://schemas.openxmlformats.org/presentationml/2006/main">
+  <p:cSld>
+    <p:spTree>
+      <p:nvGrpSpPr>
+        <p:cNvPr id="1" name=""/>
+        <p:cNvGrpSpPr/>
+        <p:nvPr/>
+      </p:nvGrpSpPr>
+      <p:grpSpPr>
+        <a:xfrm>
+          <a:off x="0" y="0"/>
+          <a:ext cx="0" cy="0"/>
+          <a:chOff x="0" y="0"/>
+          <a:chExt cx="0" cy="0"/>
+        </a:xfrm>
+      </p:grpSpPr>
+      <p:sp>
+        <p:nvSpPr>
+          <p:cNvPr id="4" name="직사각형 3">
+            <a:extLst>
+              <a:ext uri="{FF2B5EF4-FFF2-40B4-BE49-F238E27FC236}">
+                <a16:creationId xmlns:a16="http://schemas.microsoft.com/office/drawing/2014/main" id="{D0C5082E-CE3E-D247-94AC-0466D58F4CB1}"/>
+              </a:ext>
+            </a:extLst>
+          </p:cNvPr>
+          <p:cNvSpPr/>
+          <p:nvPr/>
+        </p:nvSpPr>
+        <p:spPr>
+          <a:xfrm>
+            <a:off x="-1354016" y="1542473"/>
+            <a:ext cx="949569" cy="949569"/>
+          </a:xfrm>
+          <a:prstGeom prst="rect">
+            <a:avLst/>
+          </a:prstGeom>
+          <a:solidFill>
+            <a:srgbClr val="432E2E"/>
+          </a:solidFill>
+          <a:ln>
+            <a:noFill/>
+          </a:ln>
+        </p:spPr>
+        <p:style>
+          <a:lnRef idx="2">
+            <a:schemeClr val="accent1">
+              <a:shade val="50000"/>
+            </a:schemeClr>
+          </a:lnRef>
+          <a:fillRef idx="1">
+            <a:schemeClr val="accent1"/>
+          </a:fillRef>
+          <a:effectRef idx="0">
+            <a:schemeClr val="accent1"/>
+          </a:effectRef>
+          <a:fontRef idx="minor">
+            <a:schemeClr val="lt1"/>
+          </a:fontRef>
+        </p:style>
+        <p:txBody>
+          <a:bodyPr rtlCol="0" anchor="ctr"/>
+          <a:lstStyle/>
+          <a:p>
+            <a:pPr algn="ctr"/>
+            <a:endParaRPr kumimoji="1" lang="ko-KR" altLang="en-US"/>
+          </a:p>
+        </p:txBody>
+      </p:sp>
+      <p:sp>
+        <p:nvSpPr>
+          <p:cNvPr id="5" name="직사각형 4">
+            <a:extLst>
+              <a:ext uri="{FF2B5EF4-FFF2-40B4-BE49-F238E27FC236}">
+                <a16:creationId xmlns:a16="http://schemas.microsoft.com/office/drawing/2014/main" id="{1F18CFF7-6117-4D4F-8813-F7C35FC76926}"/>
+              </a:ext>
+            </a:extLst>
+          </p:cNvPr>
+          <p:cNvSpPr/>
+          <p:nvPr/>
+        </p:nvSpPr>
+        <p:spPr>
+          <a:xfrm>
+            <a:off x="-1354017" y="2492042"/>
+            <a:ext cx="949569" cy="949569"/>
+          </a:xfrm>
+          <a:prstGeom prst="rect">
+            <a:avLst/>
+          </a:prstGeom>
+          <a:solidFill>
+            <a:srgbClr val="FFA02E"/>
+          </a:solidFill>
+          <a:ln>
+            <a:noFill/>
+          </a:ln>
+        </p:spPr>
+        <p:style>
+          <a:lnRef idx="2">
+            <a:schemeClr val="accent1">
+              <a:shade val="50000"/>
+            </a:schemeClr>
+          </a:lnRef>
+          <a:fillRef idx="1">
+            <a:schemeClr val="accent1"/>
+          </a:fillRef>
+          <a:effectRef idx="0">
+            <a:schemeClr val="accent1"/>
+          </a:effectRef>
+          <a:fontRef idx="minor">
+            <a:schemeClr val="lt1"/>
+          </a:fontRef>
+        </p:style>
+        <p:txBody>
+          <a:bodyPr rtlCol="0" anchor="ctr"/>
+          <a:lstStyle/>
+          <a:p>
+            <a:pPr algn="ctr"/>
+            <a:endParaRPr kumimoji="1" lang="ko-KR" altLang="en-US"/>
+          </a:p>
+        </p:txBody>
+      </p:sp>
+      <p:sp>
+        <p:nvSpPr>
+          <p:cNvPr id="6" name="직사각형 5">
+            <a:extLst>
+              <a:ext uri="{FF2B5EF4-FFF2-40B4-BE49-F238E27FC236}">
+                <a16:creationId xmlns:a16="http://schemas.microsoft.com/office/drawing/2014/main" id="{8856FE3B-3AFF-9943-BEDE-F08B6FB1B23A}"/>
+              </a:ext>
+            </a:extLst>
+          </p:cNvPr>
+          <p:cNvSpPr/>
+          <p:nvPr/>
+        </p:nvSpPr>
+        <p:spPr>
+          <a:xfrm>
+            <a:off x="-1282701" y="3441611"/>
+            <a:ext cx="949569" cy="949569"/>
+          </a:xfrm>
+          <a:prstGeom prst="rect">
+            <a:avLst/>
+          </a:prstGeom>
+          <a:solidFill>
+            <a:srgbClr val="FFCB00"/>
+          </a:solidFill>
+          <a:ln>
+            <a:noFill/>
+          </a:ln>
+        </p:spPr>
+        <p:style>
+          <a:lnRef idx="2">
+            <a:schemeClr val="accent1">
+              <a:shade val="50000"/>
+            </a:schemeClr>
+          </a:lnRef>
+          <a:fillRef idx="1">
+            <a:schemeClr val="accent1"/>
+          </a:fillRef>
+          <a:effectRef idx="0">
+            <a:schemeClr val="accent1"/>
+          </a:effectRef>
+          <a:fontRef idx="minor">
+            <a:schemeClr val="lt1"/>
+          </a:fontRef>
+        </p:style>
+        <p:txBody>
+          <a:bodyPr rtlCol="0" anchor="ctr"/>
+          <a:lstStyle/>
+          <a:p>
+            <a:pPr algn="ctr"/>
+            <a:endParaRPr kumimoji="1" lang="ko-KR" altLang="en-US"/>
+          </a:p>
+        </p:txBody>
+      </p:sp>
+      <p:pic>
+        <p:nvPicPr>
+          <p:cNvPr id="7" name="그림 6">
+            <a:extLst>
+              <a:ext uri="{FF2B5EF4-FFF2-40B4-BE49-F238E27FC236}">
+                <a16:creationId xmlns:a16="http://schemas.microsoft.com/office/drawing/2014/main" id="{662A6953-DC07-3841-B5D1-9300F40AD78E}"/>
+              </a:ext>
+            </a:extLst>
+          </p:cNvPr>
+          <p:cNvPicPr>
+            <a:picLocks noChangeAspect="1"/>
+          </p:cNvPicPr>
+          <p:nvPr/>
+        </p:nvPicPr>
+        <p:blipFill>
+          <a:blip r:embed="rId3"/>
+          <a:stretch>
+            <a:fillRect/>
+          </a:stretch>
+        </p:blipFill>
+        <p:spPr>
+          <a:xfrm>
+            <a:off x="-1354017" y="4387166"/>
+            <a:ext cx="1031769" cy="1055764"/>
+          </a:xfrm>
+          <a:prstGeom prst="rect">
+            <a:avLst/>
+          </a:prstGeom>
+        </p:spPr>
+      </p:pic>
+      <p:pic>
+        <p:nvPicPr>
+          <p:cNvPr id="8" name="그림 7" descr="광장이(가) 표시된 사진&#10;&#10;자동 생성된 설명">
+            <a:extLst>
+              <a:ext uri="{FF2B5EF4-FFF2-40B4-BE49-F238E27FC236}">
+                <a16:creationId xmlns:a16="http://schemas.microsoft.com/office/drawing/2014/main" id="{FDC572B7-D2E6-4F46-8A96-969758F15102}"/>
+              </a:ext>
+            </a:extLst>
+          </p:cNvPr>
+          <p:cNvPicPr>
+            <a:picLocks noChangeAspect="1"/>
+          </p:cNvPicPr>
+          <p:nvPr/>
+        </p:nvPicPr>
+        <p:blipFill>
+          <a:blip r:embed="rId4"/>
+          <a:stretch>
+            <a:fillRect/>
+          </a:stretch>
+        </p:blipFill>
+        <p:spPr>
+          <a:xfrm>
+            <a:off x="-1282701" y="5421723"/>
+            <a:ext cx="941028" cy="843374"/>
+          </a:xfrm>
+          <a:prstGeom prst="rect">
+            <a:avLst/>
+          </a:prstGeom>
+        </p:spPr>
+      </p:pic>
+      <p:sp>
+        <p:nvSpPr>
+          <p:cNvPr id="9" name="직사각형 8">
+            <a:extLst>
+              <a:ext uri="{FF2B5EF4-FFF2-40B4-BE49-F238E27FC236}">
+                <a16:creationId xmlns:a16="http://schemas.microsoft.com/office/drawing/2014/main" id="{E15C6BBB-7C67-3043-8EE2-02035229FE60}"/>
+              </a:ext>
+            </a:extLst>
+          </p:cNvPr>
+          <p:cNvSpPr/>
+          <p:nvPr/>
+        </p:nvSpPr>
+        <p:spPr>
+          <a:xfrm>
+            <a:off x="1551399" y="883578"/>
+            <a:ext cx="1661572" cy="5381519"/>
+          </a:xfrm>
+          <a:prstGeom prst="rect">
+            <a:avLst/>
+          </a:prstGeom>
+          <a:noFill/>
+          <a:ln w="38100">
+            <a:solidFill>
+              <a:schemeClr val="tx1"/>
+            </a:solidFill>
+          </a:ln>
+        </p:spPr>
+        <p:style>
+          <a:lnRef idx="2">
+            <a:schemeClr val="accent1">
+              <a:shade val="50000"/>
+            </a:schemeClr>
+          </a:lnRef>
+          <a:fillRef idx="1">
+            <a:schemeClr val="accent1"/>
+          </a:fillRef>
+          <a:effectRef idx="0">
+            <a:schemeClr val="accent1"/>
+          </a:effectRef>
+          <a:fontRef idx="minor">
+            <a:schemeClr val="lt1"/>
+          </a:fontRef>
+        </p:style>
+        <p:txBody>
+          <a:bodyPr rtlCol="0" anchor="ctr"/>
+          <a:lstStyle/>
+          <a:p>
+            <a:pPr algn="ctr"/>
+            <a:endParaRPr kumimoji="1" lang="ko-KR" altLang="en-US"/>
+          </a:p>
+        </p:txBody>
+      </p:sp>
+      <p:sp>
+        <p:nvSpPr>
+          <p:cNvPr id="10" name="직사각형 9">
+            <a:extLst>
+              <a:ext uri="{FF2B5EF4-FFF2-40B4-BE49-F238E27FC236}">
+                <a16:creationId xmlns:a16="http://schemas.microsoft.com/office/drawing/2014/main" id="{BC17631E-8CB3-4A4A-A913-C68020A1D5A3}"/>
+              </a:ext>
+            </a:extLst>
+          </p:cNvPr>
+          <p:cNvSpPr/>
+          <p:nvPr/>
+        </p:nvSpPr>
+        <p:spPr>
+          <a:xfrm>
+            <a:off x="6869687" y="883578"/>
+            <a:ext cx="1661572" cy="5381519"/>
+          </a:xfrm>
+          <a:prstGeom prst="rect">
+            <a:avLst/>
+          </a:prstGeom>
+          <a:noFill/>
+          <a:ln w="38100">
+            <a:solidFill>
+              <a:schemeClr val="tx1"/>
+            </a:solidFill>
+          </a:ln>
+        </p:spPr>
+        <p:style>
+          <a:lnRef idx="2">
+            <a:schemeClr val="accent1">
+              <a:shade val="50000"/>
+            </a:schemeClr>
+          </a:lnRef>
+          <a:fillRef idx="1">
+            <a:schemeClr val="accent1"/>
+          </a:fillRef>
+          <a:effectRef idx="0">
+            <a:schemeClr val="accent1"/>
+          </a:effectRef>
+          <a:fontRef idx="minor">
+            <a:schemeClr val="lt1"/>
+          </a:fontRef>
+        </p:style>
+        <p:txBody>
+          <a:bodyPr rtlCol="0" anchor="ctr"/>
+          <a:lstStyle/>
+          <a:p>
+            <a:pPr algn="ctr"/>
+            <a:endParaRPr kumimoji="1" lang="ko-KR" altLang="en-US"/>
+          </a:p>
+        </p:txBody>
+      </p:sp>
+      <p:sp>
+        <p:nvSpPr>
+          <p:cNvPr id="11" name="직사각형 10">
+            <a:extLst>
+              <a:ext uri="{FF2B5EF4-FFF2-40B4-BE49-F238E27FC236}">
+                <a16:creationId xmlns:a16="http://schemas.microsoft.com/office/drawing/2014/main" id="{077D490C-5150-3548-A218-1D573A498B7C}"/>
+              </a:ext>
+            </a:extLst>
+          </p:cNvPr>
+          <p:cNvSpPr/>
+          <p:nvPr/>
+        </p:nvSpPr>
+        <p:spPr>
+          <a:xfrm>
+            <a:off x="3954627" y="265808"/>
+            <a:ext cx="2083323" cy="651886"/>
+          </a:xfrm>
+          <a:prstGeom prst="rect">
+            <a:avLst/>
+          </a:prstGeom>
+          <a:solidFill>
+            <a:srgbClr val="FFCB00"/>
+          </a:solidFill>
+          <a:ln>
+            <a:noFill/>
+          </a:ln>
+        </p:spPr>
+        <p:style>
+          <a:lnRef idx="2">
+            <a:schemeClr val="accent1">
+              <a:shade val="50000"/>
+            </a:schemeClr>
+          </a:lnRef>
+          <a:fillRef idx="1">
+            <a:schemeClr val="accent1"/>
+          </a:fillRef>
+          <a:effectRef idx="0">
+            <a:schemeClr val="accent1"/>
+          </a:effectRef>
+          <a:fontRef idx="minor">
+            <a:schemeClr val="lt1"/>
+          </a:fontRef>
+        </p:style>
+        <p:txBody>
+          <a:bodyPr rtlCol="0" anchor="ctr"/>
+          <a:lstStyle/>
+          <a:p>
+            <a:pPr algn="ctr"/>
+            <a:endParaRPr kumimoji="1" lang="ko-KR" altLang="en-US"/>
+          </a:p>
+        </p:txBody>
+      </p:sp>
+      <p:sp>
+        <p:nvSpPr>
+          <p:cNvPr id="12" name="직사각형 11">
+            <a:extLst>
+              <a:ext uri="{FF2B5EF4-FFF2-40B4-BE49-F238E27FC236}">
+                <a16:creationId xmlns:a16="http://schemas.microsoft.com/office/drawing/2014/main" id="{7C89DF6E-8D73-4C41-8FE0-90333E697A4B}"/>
+              </a:ext>
+            </a:extLst>
+          </p:cNvPr>
+          <p:cNvSpPr/>
+          <p:nvPr/>
+        </p:nvSpPr>
+        <p:spPr>
+          <a:xfrm>
+            <a:off x="4247501" y="298803"/>
+            <a:ext cx="1412566" cy="584775"/>
+          </a:xfrm>
+          <a:prstGeom prst="rect">
+            <a:avLst/>
+          </a:prstGeom>
+        </p:spPr>
+        <p:txBody>
+          <a:bodyPr wrap="none">
+            <a:spAutoFit/>
+          </a:bodyPr>
+          <a:lstStyle/>
+          <a:p>
+            <a:pPr algn="ctr"/>
+            <a:r>
+              <a:rPr lang="ko-KR" altLang="en-US" sz="1600" dirty="0" err="1">
+                <a:latin typeface="BM JUA OTF" panose="02020603020101020101" pitchFamily="18" charset="-127"/>
+                <a:ea typeface="BM JUA OTF" panose="02020603020101020101" pitchFamily="18" charset="-127"/>
+              </a:rPr>
+              <a:t>공유변수</a:t>
+            </a:r>
+            <a:r>
+              <a:rPr lang="en-US" altLang="ko-KR" sz="1600" dirty="0">
+                <a:latin typeface="BM JUA OTF" panose="02020603020101020101" pitchFamily="18" charset="-127"/>
+                <a:ea typeface="BM JUA OTF" panose="02020603020101020101" pitchFamily="18" charset="-127"/>
+              </a:rPr>
+              <a:t> </a:t>
+            </a:r>
+          </a:p>
+          <a:p>
+            <a:pPr algn="ctr"/>
+            <a:r>
+              <a:rPr lang="en-US" altLang="ko-KR" sz="1600" dirty="0">
+                <a:latin typeface="BM JUA OTF" panose="02020603020101020101" pitchFamily="18" charset="-127"/>
+                <a:ea typeface="BM JUA OTF" panose="02020603020101020101" pitchFamily="18" charset="-127"/>
+              </a:rPr>
+              <a:t>money = 1000</a:t>
+            </a:r>
+            <a:endParaRPr lang="ko-KR" altLang="en-US" sz="1600" dirty="0">
+              <a:latin typeface="BM JUA OTF" panose="02020603020101020101" pitchFamily="18" charset="-127"/>
+              <a:ea typeface="BM JUA OTF" panose="02020603020101020101" pitchFamily="18" charset="-127"/>
+            </a:endParaRPr>
+          </a:p>
+        </p:txBody>
+      </p:sp>
+      <p:sp>
+        <p:nvSpPr>
+          <p:cNvPr id="14" name="직사각형 13">
+            <a:extLst>
+              <a:ext uri="{FF2B5EF4-FFF2-40B4-BE49-F238E27FC236}">
+                <a16:creationId xmlns:a16="http://schemas.microsoft.com/office/drawing/2014/main" id="{E364E91C-BED6-484E-A739-AD9E156E2B45}"/>
+              </a:ext>
+            </a:extLst>
+          </p:cNvPr>
+          <p:cNvSpPr/>
+          <p:nvPr/>
+        </p:nvSpPr>
+        <p:spPr>
+          <a:xfrm>
+            <a:off x="1767272" y="972038"/>
+            <a:ext cx="1229825" cy="338554"/>
+          </a:xfrm>
+          <a:prstGeom prst="rect">
+            <a:avLst/>
+          </a:prstGeom>
+        </p:spPr>
+        <p:txBody>
+          <a:bodyPr wrap="none">
+            <a:spAutoFit/>
+          </a:bodyPr>
+          <a:lstStyle/>
+          <a:p>
+            <a:pPr algn="ctr"/>
+            <a:r>
+              <a:rPr lang="ko-KR" altLang="en-US" sz="1600" dirty="0">
+                <a:latin typeface="BM JUA OTF" panose="02020603020101020101" pitchFamily="18" charset="-127"/>
+                <a:ea typeface="BM JUA OTF" panose="02020603020101020101" pitchFamily="18" charset="-127"/>
+              </a:rPr>
+              <a:t>라이언 </a:t>
+            </a:r>
+            <a:r>
+              <a:rPr lang="ko-KR" altLang="en-US" sz="1600" dirty="0" err="1">
+                <a:latin typeface="BM JUA OTF" panose="02020603020101020101" pitchFamily="18" charset="-127"/>
+                <a:ea typeface="BM JUA OTF" panose="02020603020101020101" pitchFamily="18" charset="-127"/>
+              </a:rPr>
+              <a:t>스래드</a:t>
+            </a:r>
+            <a:endParaRPr lang="ko-KR" altLang="en-US" sz="1600" dirty="0">
+              <a:latin typeface="BM JUA OTF" panose="02020603020101020101" pitchFamily="18" charset="-127"/>
+              <a:ea typeface="BM JUA OTF" panose="02020603020101020101" pitchFamily="18" charset="-127"/>
+            </a:endParaRPr>
+          </a:p>
+        </p:txBody>
+      </p:sp>
+      <p:sp>
+        <p:nvSpPr>
+          <p:cNvPr id="15" name="직사각형 14">
+            <a:extLst>
+              <a:ext uri="{FF2B5EF4-FFF2-40B4-BE49-F238E27FC236}">
+                <a16:creationId xmlns:a16="http://schemas.microsoft.com/office/drawing/2014/main" id="{3F7BB464-CD09-EA41-90B4-86865CB1F50C}"/>
+              </a:ext>
+            </a:extLst>
+          </p:cNvPr>
+          <p:cNvSpPr/>
+          <p:nvPr/>
+        </p:nvSpPr>
+        <p:spPr>
+          <a:xfrm>
+            <a:off x="7175329" y="971905"/>
+            <a:ext cx="1050288" cy="338554"/>
+          </a:xfrm>
+          <a:prstGeom prst="rect">
+            <a:avLst/>
+          </a:prstGeom>
+        </p:spPr>
+        <p:txBody>
+          <a:bodyPr wrap="none">
+            <a:spAutoFit/>
+          </a:bodyPr>
+          <a:lstStyle/>
+          <a:p>
+            <a:pPr algn="ctr"/>
+            <a:r>
+              <a:rPr lang="ko-KR" altLang="en-US" sz="1600" dirty="0">
+                <a:latin typeface="BM JUA OTF" panose="02020603020101020101" pitchFamily="18" charset="-127"/>
+                <a:ea typeface="BM JUA OTF" panose="02020603020101020101" pitchFamily="18" charset="-127"/>
+              </a:rPr>
+              <a:t>무지 </a:t>
+            </a:r>
+            <a:r>
+              <a:rPr lang="ko-KR" altLang="en-US" sz="1600" dirty="0" err="1">
+                <a:latin typeface="BM JUA OTF" panose="02020603020101020101" pitchFamily="18" charset="-127"/>
+                <a:ea typeface="BM JUA OTF" panose="02020603020101020101" pitchFamily="18" charset="-127"/>
+              </a:rPr>
+              <a:t>스래드</a:t>
+            </a:r>
+            <a:endParaRPr lang="ko-KR" altLang="en-US" sz="1600" dirty="0">
+              <a:latin typeface="BM JUA OTF" panose="02020603020101020101" pitchFamily="18" charset="-127"/>
+              <a:ea typeface="BM JUA OTF" panose="02020603020101020101" pitchFamily="18" charset="-127"/>
+            </a:endParaRPr>
+          </a:p>
+        </p:txBody>
+      </p:sp>
+      <p:sp>
+        <p:nvSpPr>
+          <p:cNvPr id="17" name="직사각형 16">
+            <a:extLst>
+              <a:ext uri="{FF2B5EF4-FFF2-40B4-BE49-F238E27FC236}">
+                <a16:creationId xmlns:a16="http://schemas.microsoft.com/office/drawing/2014/main" id="{6FB5AB1E-E8AD-EB4F-93B8-61C19F109049}"/>
+              </a:ext>
+            </a:extLst>
+          </p:cNvPr>
+          <p:cNvSpPr/>
+          <p:nvPr/>
+        </p:nvSpPr>
+        <p:spPr>
+          <a:xfrm>
+            <a:off x="3972937" y="1611133"/>
+            <a:ext cx="2083323" cy="651886"/>
+          </a:xfrm>
+          <a:prstGeom prst="rect">
+            <a:avLst/>
+          </a:prstGeom>
+          <a:solidFill>
+            <a:srgbClr val="FFCB00"/>
+          </a:solidFill>
+          <a:ln>
+            <a:noFill/>
+          </a:ln>
+        </p:spPr>
+        <p:style>
+          <a:lnRef idx="2">
+            <a:schemeClr val="accent1">
+              <a:shade val="50000"/>
+            </a:schemeClr>
+          </a:lnRef>
+          <a:fillRef idx="1">
+            <a:schemeClr val="accent1"/>
+          </a:fillRef>
+          <a:effectRef idx="0">
+            <a:schemeClr val="accent1"/>
+          </a:effectRef>
+          <a:fontRef idx="minor">
+            <a:schemeClr val="lt1"/>
+          </a:fontRef>
+        </p:style>
+        <p:txBody>
+          <a:bodyPr rtlCol="0" anchor="ctr"/>
+          <a:lstStyle/>
+          <a:p>
+            <a:pPr algn="ctr"/>
+            <a:endParaRPr kumimoji="1" lang="ko-KR" altLang="en-US"/>
+          </a:p>
+        </p:txBody>
+      </p:sp>
+      <p:sp>
+        <p:nvSpPr>
+          <p:cNvPr id="18" name="직사각형 17">
+            <a:extLst>
+              <a:ext uri="{FF2B5EF4-FFF2-40B4-BE49-F238E27FC236}">
+                <a16:creationId xmlns:a16="http://schemas.microsoft.com/office/drawing/2014/main" id="{A26640C2-B76A-9A48-AB19-4863D11D32F7}"/>
+              </a:ext>
+            </a:extLst>
+          </p:cNvPr>
+          <p:cNvSpPr/>
+          <p:nvPr/>
+        </p:nvSpPr>
+        <p:spPr>
+          <a:xfrm>
+            <a:off x="4308315" y="1648407"/>
+            <a:ext cx="1412566" cy="584775"/>
+          </a:xfrm>
+          <a:prstGeom prst="rect">
+            <a:avLst/>
+          </a:prstGeom>
+        </p:spPr>
+        <p:txBody>
+          <a:bodyPr wrap="none">
+            <a:spAutoFit/>
+          </a:bodyPr>
+          <a:lstStyle/>
+          <a:p>
+            <a:pPr algn="ctr"/>
+            <a:r>
+              <a:rPr lang="ko-KR" altLang="en-US" sz="1600" dirty="0" err="1">
+                <a:latin typeface="BM JUA OTF" panose="02020603020101020101" pitchFamily="18" charset="-127"/>
+                <a:ea typeface="BM JUA OTF" panose="02020603020101020101" pitchFamily="18" charset="-127"/>
+              </a:rPr>
+              <a:t>공유변수</a:t>
+            </a:r>
+            <a:r>
+              <a:rPr lang="en-US" altLang="ko-KR" sz="1600" dirty="0">
+                <a:latin typeface="BM JUA OTF" panose="02020603020101020101" pitchFamily="18" charset="-127"/>
+                <a:ea typeface="BM JUA OTF" panose="02020603020101020101" pitchFamily="18" charset="-127"/>
+              </a:rPr>
+              <a:t> </a:t>
+            </a:r>
+          </a:p>
+          <a:p>
+            <a:pPr algn="ctr"/>
+            <a:r>
+              <a:rPr lang="en-US" altLang="ko-KR" sz="1600" dirty="0">
+                <a:latin typeface="BM JUA OTF" panose="02020603020101020101" pitchFamily="18" charset="-127"/>
+                <a:ea typeface="BM JUA OTF" panose="02020603020101020101" pitchFamily="18" charset="-127"/>
+              </a:rPr>
+              <a:t>money = 1000</a:t>
+            </a:r>
+            <a:endParaRPr lang="ko-KR" altLang="en-US" sz="1600" dirty="0">
+              <a:latin typeface="BM JUA OTF" panose="02020603020101020101" pitchFamily="18" charset="-127"/>
+              <a:ea typeface="BM JUA OTF" panose="02020603020101020101" pitchFamily="18" charset="-127"/>
+            </a:endParaRPr>
+          </a:p>
+        </p:txBody>
+      </p:sp>
+      <p:cxnSp>
+        <p:nvCxnSpPr>
+          <p:cNvPr id="20" name="직선 화살표 연결선 19">
+            <a:extLst>
+              <a:ext uri="{FF2B5EF4-FFF2-40B4-BE49-F238E27FC236}">
+                <a16:creationId xmlns:a16="http://schemas.microsoft.com/office/drawing/2014/main" id="{60B1BBAE-D15F-394B-9902-6E6BECAA4B6F}"/>
+              </a:ext>
+            </a:extLst>
+          </p:cNvPr>
+          <p:cNvCxnSpPr>
+            <a:cxnSpLocks/>
+            <a:stCxn id="17" idx="1"/>
+          </p:cNvCxnSpPr>
+          <p:nvPr/>
+        </p:nvCxnSpPr>
+        <p:spPr>
+          <a:xfrm flipH="1">
+            <a:off x="2648932" y="1937076"/>
+            <a:ext cx="1324005" cy="0"/>
+          </a:xfrm>
+          <a:prstGeom prst="straightConnector1">
+            <a:avLst/>
+          </a:prstGeom>
+          <a:ln w="38100">
+            <a:solidFill>
+              <a:schemeClr val="tx1"/>
+            </a:solidFill>
+            <a:tailEnd type="triangle"/>
+          </a:ln>
+        </p:spPr>
+        <p:style>
+          <a:lnRef idx="1">
+            <a:schemeClr val="accent1"/>
+          </a:lnRef>
+          <a:fillRef idx="0">
+            <a:schemeClr val="accent1"/>
+          </a:fillRef>
+          <a:effectRef idx="0">
+            <a:schemeClr val="accent1"/>
+          </a:effectRef>
+          <a:fontRef idx="minor">
+            <a:schemeClr val="tx1"/>
+          </a:fontRef>
+        </p:style>
+      </p:cxnSp>
+      <p:cxnSp>
+        <p:nvCxnSpPr>
+          <p:cNvPr id="22" name="직선 화살표 연결선 21">
+            <a:extLst>
+              <a:ext uri="{FF2B5EF4-FFF2-40B4-BE49-F238E27FC236}">
+                <a16:creationId xmlns:a16="http://schemas.microsoft.com/office/drawing/2014/main" id="{964321EC-4961-A744-BB0B-66FE68CF9AE7}"/>
+              </a:ext>
+            </a:extLst>
+          </p:cNvPr>
+          <p:cNvCxnSpPr>
+            <a:cxnSpLocks/>
+          </p:cNvCxnSpPr>
+          <p:nvPr/>
+        </p:nvCxnSpPr>
+        <p:spPr>
+          <a:xfrm>
+            <a:off x="5045063" y="2820698"/>
+            <a:ext cx="2270137" cy="0"/>
+          </a:xfrm>
+          <a:prstGeom prst="straightConnector1">
+            <a:avLst/>
+          </a:prstGeom>
+          <a:ln w="38100">
+            <a:solidFill>
+              <a:schemeClr val="tx1"/>
+            </a:solidFill>
+            <a:tailEnd type="triangle"/>
+          </a:ln>
+        </p:spPr>
+        <p:style>
+          <a:lnRef idx="1">
+            <a:schemeClr val="accent1"/>
+          </a:lnRef>
+          <a:fillRef idx="0">
+            <a:schemeClr val="accent1"/>
+          </a:fillRef>
+          <a:effectRef idx="0">
+            <a:schemeClr val="accent1"/>
+          </a:effectRef>
+          <a:fontRef idx="minor">
+            <a:schemeClr val="tx1"/>
+          </a:fontRef>
+        </p:style>
+      </p:cxnSp>
+      <p:pic>
+        <p:nvPicPr>
+          <p:cNvPr id="25" name="그림 24" descr="광장이(가) 표시된 사진&#10;&#10;자동 생성된 설명">
+            <a:extLst>
+              <a:ext uri="{FF2B5EF4-FFF2-40B4-BE49-F238E27FC236}">
+                <a16:creationId xmlns:a16="http://schemas.microsoft.com/office/drawing/2014/main" id="{A99D76F7-8049-E741-AC1D-540593B77D37}"/>
+              </a:ext>
+            </a:extLst>
+          </p:cNvPr>
+          <p:cNvPicPr>
+            <a:picLocks noChangeAspect="1"/>
+          </p:cNvPicPr>
+          <p:nvPr/>
+        </p:nvPicPr>
+        <p:blipFill>
+          <a:blip r:embed="rId5"/>
+          <a:stretch>
+            <a:fillRect/>
+          </a:stretch>
+        </p:blipFill>
+        <p:spPr>
+          <a:xfrm>
+            <a:off x="-1395773" y="6299200"/>
+            <a:ext cx="1054100" cy="1117600"/>
+          </a:xfrm>
+          <a:prstGeom prst="rect">
+            <a:avLst/>
+          </a:prstGeom>
+        </p:spPr>
+      </p:pic>
+      <p:sp>
+        <p:nvSpPr>
+          <p:cNvPr id="26" name="직사각형 25">
+            <a:extLst>
+              <a:ext uri="{FF2B5EF4-FFF2-40B4-BE49-F238E27FC236}">
+                <a16:creationId xmlns:a16="http://schemas.microsoft.com/office/drawing/2014/main" id="{35F03D15-4ADB-EC41-88DF-7062829044E8}"/>
+              </a:ext>
+            </a:extLst>
+          </p:cNvPr>
+          <p:cNvSpPr/>
+          <p:nvPr/>
+        </p:nvSpPr>
+        <p:spPr>
+          <a:xfrm>
+            <a:off x="-1503538" y="1788234"/>
+            <a:ext cx="949569" cy="949569"/>
+          </a:xfrm>
+          <a:prstGeom prst="rect">
+            <a:avLst/>
+          </a:prstGeom>
+          <a:solidFill>
+            <a:srgbClr val="432E2E"/>
+          </a:solidFill>
+          <a:ln>
+            <a:noFill/>
+          </a:ln>
+        </p:spPr>
+        <p:style>
+          <a:lnRef idx="2">
+            <a:schemeClr val="accent1">
+              <a:shade val="50000"/>
+            </a:schemeClr>
+          </a:lnRef>
+          <a:fillRef idx="1">
+            <a:schemeClr val="accent1"/>
+          </a:fillRef>
+          <a:effectRef idx="0">
+            <a:schemeClr val="accent1"/>
+          </a:effectRef>
+          <a:fontRef idx="minor">
+            <a:schemeClr val="lt1"/>
+          </a:fontRef>
+        </p:style>
+        <p:txBody>
+          <a:bodyPr rtlCol="0" anchor="ctr"/>
+          <a:lstStyle/>
+          <a:p>
+            <a:pPr algn="ctr"/>
+            <a:endParaRPr kumimoji="1" lang="ko-KR" altLang="en-US"/>
+          </a:p>
+        </p:txBody>
+      </p:sp>
+      <p:sp>
+        <p:nvSpPr>
+          <p:cNvPr id="27" name="직사각형 26">
+            <a:extLst>
+              <a:ext uri="{FF2B5EF4-FFF2-40B4-BE49-F238E27FC236}">
+                <a16:creationId xmlns:a16="http://schemas.microsoft.com/office/drawing/2014/main" id="{AE672BE8-8EF8-3245-8A6D-5D79A3AE6D76}"/>
+              </a:ext>
+            </a:extLst>
+          </p:cNvPr>
+          <p:cNvSpPr/>
+          <p:nvPr/>
+        </p:nvSpPr>
+        <p:spPr>
+          <a:xfrm>
+            <a:off x="1888966" y="1752410"/>
+            <a:ext cx="702436" cy="369332"/>
+          </a:xfrm>
+          <a:prstGeom prst="rect">
+            <a:avLst/>
+          </a:prstGeom>
+        </p:spPr>
+        <p:txBody>
+          <a:bodyPr wrap="none">
+            <a:spAutoFit/>
+          </a:bodyPr>
+          <a:lstStyle/>
+          <a:p>
+            <a:pPr algn="ctr"/>
+            <a:r>
+              <a:rPr lang="en-US" altLang="ko-KR" dirty="0">
+                <a:latin typeface="BM JUA OTF" panose="02020603020101020101" pitchFamily="18" charset="-127"/>
+                <a:ea typeface="BM JUA OTF" panose="02020603020101020101" pitchFamily="18" charset="-127"/>
+              </a:rPr>
+              <a:t>1000</a:t>
+            </a:r>
+            <a:endParaRPr lang="ko-KR" altLang="en-US" dirty="0">
+              <a:latin typeface="BM JUA OTF" panose="02020603020101020101" pitchFamily="18" charset="-127"/>
+              <a:ea typeface="BM JUA OTF" panose="02020603020101020101" pitchFamily="18" charset="-127"/>
+            </a:endParaRPr>
+          </a:p>
+        </p:txBody>
+      </p:sp>
+      <p:sp>
+        <p:nvSpPr>
+          <p:cNvPr id="29" name="직사각형 28">
+            <a:extLst>
+              <a:ext uri="{FF2B5EF4-FFF2-40B4-BE49-F238E27FC236}">
+                <a16:creationId xmlns:a16="http://schemas.microsoft.com/office/drawing/2014/main" id="{5FC71A05-3DEB-E24D-8B5E-E17303567712}"/>
+              </a:ext>
+            </a:extLst>
+          </p:cNvPr>
+          <p:cNvSpPr/>
+          <p:nvPr/>
+        </p:nvSpPr>
+        <p:spPr>
+          <a:xfrm>
+            <a:off x="3960483" y="3310661"/>
+            <a:ext cx="2083323" cy="651886"/>
+          </a:xfrm>
+          <a:prstGeom prst="rect">
+            <a:avLst/>
+          </a:prstGeom>
+          <a:solidFill>
+            <a:srgbClr val="FFCB00"/>
+          </a:solidFill>
+          <a:ln>
+            <a:noFill/>
+          </a:ln>
+        </p:spPr>
+        <p:style>
+          <a:lnRef idx="2">
+            <a:schemeClr val="accent1">
+              <a:shade val="50000"/>
+            </a:schemeClr>
+          </a:lnRef>
+          <a:fillRef idx="1">
+            <a:schemeClr val="accent1"/>
+          </a:fillRef>
+          <a:effectRef idx="0">
+            <a:schemeClr val="accent1"/>
+          </a:effectRef>
+          <a:fontRef idx="minor">
+            <a:schemeClr val="lt1"/>
+          </a:fontRef>
+        </p:style>
+        <p:txBody>
+          <a:bodyPr rtlCol="0" anchor="ctr"/>
+          <a:lstStyle/>
+          <a:p>
+            <a:pPr algn="ctr"/>
+            <a:endParaRPr kumimoji="1" lang="ko-KR" altLang="en-US"/>
+          </a:p>
+        </p:txBody>
+      </p:sp>
+      <p:sp>
+        <p:nvSpPr>
+          <p:cNvPr id="30" name="직사각형 29">
+            <a:extLst>
+              <a:ext uri="{FF2B5EF4-FFF2-40B4-BE49-F238E27FC236}">
+                <a16:creationId xmlns:a16="http://schemas.microsoft.com/office/drawing/2014/main" id="{0023BB36-E5C6-954D-B8C3-5722DFEDDDD9}"/>
+              </a:ext>
+            </a:extLst>
+          </p:cNvPr>
+          <p:cNvSpPr/>
+          <p:nvPr/>
+        </p:nvSpPr>
+        <p:spPr>
+          <a:xfrm>
+            <a:off x="4278228" y="3347935"/>
+            <a:ext cx="1447833" cy="584775"/>
+          </a:xfrm>
+          <a:prstGeom prst="rect">
+            <a:avLst/>
+          </a:prstGeom>
+        </p:spPr>
+        <p:txBody>
+          <a:bodyPr wrap="none">
+            <a:spAutoFit/>
+          </a:bodyPr>
+          <a:lstStyle/>
+          <a:p>
+            <a:pPr algn="ctr"/>
+            <a:r>
+              <a:rPr lang="ko-KR" altLang="en-US" sz="1600" dirty="0" err="1">
+                <a:latin typeface="BM JUA OTF" panose="02020603020101020101" pitchFamily="18" charset="-127"/>
+                <a:ea typeface="BM JUA OTF" panose="02020603020101020101" pitchFamily="18" charset="-127"/>
+              </a:rPr>
+              <a:t>공유변수</a:t>
+            </a:r>
+            <a:r>
+              <a:rPr lang="en-US" altLang="ko-KR" sz="1600" dirty="0">
+                <a:latin typeface="BM JUA OTF" panose="02020603020101020101" pitchFamily="18" charset="-127"/>
+                <a:ea typeface="BM JUA OTF" panose="02020603020101020101" pitchFamily="18" charset="-127"/>
+              </a:rPr>
+              <a:t> </a:t>
+            </a:r>
+          </a:p>
+          <a:p>
+            <a:pPr algn="ctr"/>
+            <a:r>
+              <a:rPr lang="en-US" altLang="ko-KR" sz="1600" dirty="0">
+                <a:latin typeface="BM JUA OTF" panose="02020603020101020101" pitchFamily="18" charset="-127"/>
+                <a:ea typeface="BM JUA OTF" panose="02020603020101020101" pitchFamily="18" charset="-127"/>
+              </a:rPr>
+              <a:t>money = 2000</a:t>
+            </a:r>
+            <a:endParaRPr lang="ko-KR" altLang="en-US" sz="1600" dirty="0">
+              <a:latin typeface="BM JUA OTF" panose="02020603020101020101" pitchFamily="18" charset="-127"/>
+              <a:ea typeface="BM JUA OTF" panose="02020603020101020101" pitchFamily="18" charset="-127"/>
+            </a:endParaRPr>
+          </a:p>
+        </p:txBody>
+      </p:sp>
+      <p:cxnSp>
+        <p:nvCxnSpPr>
+          <p:cNvPr id="31" name="직선 화살표 연결선 30">
+            <a:extLst>
+              <a:ext uri="{FF2B5EF4-FFF2-40B4-BE49-F238E27FC236}">
+                <a16:creationId xmlns:a16="http://schemas.microsoft.com/office/drawing/2014/main" id="{FAF8C406-4667-6044-BD80-904AF8761A2F}"/>
+              </a:ext>
+            </a:extLst>
+          </p:cNvPr>
+          <p:cNvCxnSpPr>
+            <a:cxnSpLocks/>
+          </p:cNvCxnSpPr>
+          <p:nvPr/>
+        </p:nvCxnSpPr>
+        <p:spPr>
+          <a:xfrm>
+            <a:off x="2288559" y="2197244"/>
+            <a:ext cx="1" cy="1126832"/>
+          </a:xfrm>
+          <a:prstGeom prst="straightConnector1">
+            <a:avLst/>
+          </a:prstGeom>
+          <a:ln w="38100">
+            <a:solidFill>
+              <a:schemeClr val="tx1"/>
+            </a:solidFill>
+            <a:tailEnd type="triangle"/>
+          </a:ln>
+        </p:spPr>
+        <p:style>
+          <a:lnRef idx="1">
+            <a:schemeClr val="accent1"/>
+          </a:lnRef>
+          <a:fillRef idx="0">
+            <a:schemeClr val="accent1"/>
+          </a:fillRef>
+          <a:effectRef idx="0">
+            <a:schemeClr val="accent1"/>
+          </a:effectRef>
+          <a:fontRef idx="minor">
+            <a:schemeClr val="tx1"/>
+          </a:fontRef>
+        </p:style>
+      </p:cxnSp>
+      <p:sp>
+        <p:nvSpPr>
+          <p:cNvPr id="33" name="직사각형 32">
+            <a:extLst>
+              <a:ext uri="{FF2B5EF4-FFF2-40B4-BE49-F238E27FC236}">
+                <a16:creationId xmlns:a16="http://schemas.microsoft.com/office/drawing/2014/main" id="{734C8612-AF0E-124B-A101-C822DE480007}"/>
+              </a:ext>
+            </a:extLst>
+          </p:cNvPr>
+          <p:cNvSpPr/>
+          <p:nvPr/>
+        </p:nvSpPr>
+        <p:spPr>
+          <a:xfrm>
+            <a:off x="1917304" y="3399579"/>
+            <a:ext cx="742511" cy="369332"/>
+          </a:xfrm>
+          <a:prstGeom prst="rect">
+            <a:avLst/>
+          </a:prstGeom>
+        </p:spPr>
+        <p:txBody>
+          <a:bodyPr wrap="none">
+            <a:spAutoFit/>
+          </a:bodyPr>
+          <a:lstStyle/>
+          <a:p>
+            <a:pPr algn="ctr"/>
+            <a:r>
+              <a:rPr lang="en-US" altLang="ko-KR" dirty="0">
+                <a:latin typeface="BM JUA OTF" panose="02020603020101020101" pitchFamily="18" charset="-127"/>
+                <a:ea typeface="BM JUA OTF" panose="02020603020101020101" pitchFamily="18" charset="-127"/>
+              </a:rPr>
+              <a:t>2000</a:t>
+            </a:r>
+            <a:endParaRPr lang="ko-KR" altLang="en-US" dirty="0">
+              <a:latin typeface="BM JUA OTF" panose="02020603020101020101" pitchFamily="18" charset="-127"/>
+              <a:ea typeface="BM JUA OTF" panose="02020603020101020101" pitchFamily="18" charset="-127"/>
+            </a:endParaRPr>
+          </a:p>
+        </p:txBody>
+      </p:sp>
+      <p:cxnSp>
+        <p:nvCxnSpPr>
+          <p:cNvPr id="34" name="직선 화살표 연결선 33">
+            <a:extLst>
+              <a:ext uri="{FF2B5EF4-FFF2-40B4-BE49-F238E27FC236}">
+                <a16:creationId xmlns:a16="http://schemas.microsoft.com/office/drawing/2014/main" id="{3A8BB5A2-5BD8-6A4C-B573-E3B588E69B67}"/>
+              </a:ext>
+            </a:extLst>
+          </p:cNvPr>
+          <p:cNvCxnSpPr>
+            <a:cxnSpLocks/>
+          </p:cNvCxnSpPr>
+          <p:nvPr/>
+        </p:nvCxnSpPr>
+        <p:spPr>
+          <a:xfrm>
+            <a:off x="2670916" y="3569051"/>
+            <a:ext cx="1204474" cy="15194"/>
+          </a:xfrm>
+          <a:prstGeom prst="straightConnector1">
+            <a:avLst/>
+          </a:prstGeom>
+          <a:ln w="38100">
+            <a:solidFill>
+              <a:schemeClr val="tx1"/>
+            </a:solidFill>
+            <a:tailEnd type="triangle"/>
+          </a:ln>
+        </p:spPr>
+        <p:style>
+          <a:lnRef idx="1">
+            <a:schemeClr val="accent1"/>
+          </a:lnRef>
+          <a:fillRef idx="0">
+            <a:schemeClr val="accent1"/>
+          </a:fillRef>
+          <a:effectRef idx="0">
+            <a:schemeClr val="accent1"/>
+          </a:effectRef>
+          <a:fontRef idx="minor">
+            <a:schemeClr val="tx1"/>
+          </a:fontRef>
+        </p:style>
+      </p:cxnSp>
+      <p:sp>
+        <p:nvSpPr>
+          <p:cNvPr id="36" name="직사각형 35">
+            <a:extLst>
+              <a:ext uri="{FF2B5EF4-FFF2-40B4-BE49-F238E27FC236}">
+                <a16:creationId xmlns:a16="http://schemas.microsoft.com/office/drawing/2014/main" id="{1D89AB12-49D3-E74A-869F-635659D012FD}"/>
+              </a:ext>
+            </a:extLst>
+          </p:cNvPr>
+          <p:cNvSpPr/>
+          <p:nvPr/>
+        </p:nvSpPr>
+        <p:spPr>
+          <a:xfrm>
+            <a:off x="7349255" y="2636032"/>
+            <a:ext cx="702436" cy="369332"/>
+          </a:xfrm>
+          <a:prstGeom prst="rect">
+            <a:avLst/>
+          </a:prstGeom>
+        </p:spPr>
+        <p:txBody>
+          <a:bodyPr wrap="none">
+            <a:spAutoFit/>
+          </a:bodyPr>
+          <a:lstStyle/>
+          <a:p>
+            <a:pPr algn="ctr"/>
+            <a:r>
+              <a:rPr lang="en-US" altLang="ko-KR" dirty="0">
+                <a:latin typeface="BM JUA OTF" panose="02020603020101020101" pitchFamily="18" charset="-127"/>
+                <a:ea typeface="BM JUA OTF" panose="02020603020101020101" pitchFamily="18" charset="-127"/>
+              </a:rPr>
+              <a:t>1000</a:t>
+            </a:r>
+            <a:endParaRPr lang="ko-KR" altLang="en-US" dirty="0">
+              <a:latin typeface="BM JUA OTF" panose="02020603020101020101" pitchFamily="18" charset="-127"/>
+              <a:ea typeface="BM JUA OTF" panose="02020603020101020101" pitchFamily="18" charset="-127"/>
+            </a:endParaRPr>
+          </a:p>
+        </p:txBody>
+      </p:sp>
+      <p:cxnSp>
+        <p:nvCxnSpPr>
+          <p:cNvPr id="38" name="직선 화살표 연결선 37">
+            <a:extLst>
+              <a:ext uri="{FF2B5EF4-FFF2-40B4-BE49-F238E27FC236}">
+                <a16:creationId xmlns:a16="http://schemas.microsoft.com/office/drawing/2014/main" id="{85A6ECA7-2002-8442-AD04-883280F386EE}"/>
+              </a:ext>
+            </a:extLst>
+          </p:cNvPr>
+          <p:cNvCxnSpPr>
+            <a:cxnSpLocks/>
+            <a:stCxn id="17" idx="2"/>
+          </p:cNvCxnSpPr>
+          <p:nvPr/>
+        </p:nvCxnSpPr>
+        <p:spPr>
+          <a:xfrm>
+            <a:off x="5014599" y="2263019"/>
+            <a:ext cx="8328" cy="1047642"/>
+          </a:xfrm>
+          <a:prstGeom prst="straightConnector1">
+            <a:avLst/>
+          </a:prstGeom>
+          <a:ln w="38100">
+            <a:solidFill>
+              <a:schemeClr val="tx1"/>
+            </a:solidFill>
+            <a:tailEnd type="triangle"/>
+          </a:ln>
+        </p:spPr>
+        <p:style>
+          <a:lnRef idx="1">
+            <a:schemeClr val="accent1"/>
+          </a:lnRef>
+          <a:fillRef idx="0">
+            <a:schemeClr val="accent1"/>
+          </a:fillRef>
+          <a:effectRef idx="0">
+            <a:schemeClr val="accent1"/>
+          </a:effectRef>
+          <a:fontRef idx="minor">
+            <a:schemeClr val="tx1"/>
+          </a:fontRef>
+        </p:style>
+      </p:cxnSp>
+      <p:cxnSp>
+        <p:nvCxnSpPr>
+          <p:cNvPr id="43" name="직선 화살표 연결선 42">
+            <a:extLst>
+              <a:ext uri="{FF2B5EF4-FFF2-40B4-BE49-F238E27FC236}">
+                <a16:creationId xmlns:a16="http://schemas.microsoft.com/office/drawing/2014/main" id="{B3317BF8-AA68-2D4A-BB2D-04EABBFD7860}"/>
+              </a:ext>
+            </a:extLst>
+          </p:cNvPr>
+          <p:cNvCxnSpPr>
+            <a:cxnSpLocks/>
+          </p:cNvCxnSpPr>
+          <p:nvPr/>
+        </p:nvCxnSpPr>
+        <p:spPr>
+          <a:xfrm>
+            <a:off x="5020695" y="909126"/>
+            <a:ext cx="0" cy="716840"/>
+          </a:xfrm>
+          <a:prstGeom prst="straightConnector1">
+            <a:avLst/>
+          </a:prstGeom>
+          <a:ln w="38100">
+            <a:solidFill>
+              <a:schemeClr val="tx1"/>
+            </a:solidFill>
+            <a:tailEnd type="triangle"/>
+          </a:ln>
+        </p:spPr>
+        <p:style>
+          <a:lnRef idx="1">
+            <a:schemeClr val="accent1"/>
+          </a:lnRef>
+          <a:fillRef idx="0">
+            <a:schemeClr val="accent1"/>
+          </a:fillRef>
+          <a:effectRef idx="0">
+            <a:schemeClr val="accent1"/>
+          </a:effectRef>
+          <a:fontRef idx="minor">
+            <a:schemeClr val="tx1"/>
+          </a:fontRef>
+        </p:style>
+      </p:cxnSp>
+      <p:cxnSp>
+        <p:nvCxnSpPr>
+          <p:cNvPr id="50" name="직선 화살표 연결선 49">
+            <a:extLst>
+              <a:ext uri="{FF2B5EF4-FFF2-40B4-BE49-F238E27FC236}">
+                <a16:creationId xmlns:a16="http://schemas.microsoft.com/office/drawing/2014/main" id="{78898AB8-A252-7141-84C2-F0D1113B86B5}"/>
+              </a:ext>
+            </a:extLst>
+          </p:cNvPr>
+          <p:cNvCxnSpPr>
+            <a:cxnSpLocks/>
+            <a:endCxn id="51" idx="0"/>
+          </p:cNvCxnSpPr>
+          <p:nvPr/>
+        </p:nvCxnSpPr>
+        <p:spPr>
+          <a:xfrm>
+            <a:off x="7680436" y="3077608"/>
+            <a:ext cx="0" cy="1932174"/>
+          </a:xfrm>
+          <a:prstGeom prst="straightConnector1">
+            <a:avLst/>
+          </a:prstGeom>
+          <a:ln w="38100">
+            <a:solidFill>
+              <a:schemeClr val="tx1"/>
+            </a:solidFill>
+            <a:tailEnd type="triangle"/>
+          </a:ln>
+        </p:spPr>
+        <p:style>
+          <a:lnRef idx="1">
+            <a:schemeClr val="accent1"/>
+          </a:lnRef>
+          <a:fillRef idx="0">
+            <a:schemeClr val="accent1"/>
+          </a:fillRef>
+          <a:effectRef idx="0">
+            <a:schemeClr val="accent1"/>
+          </a:effectRef>
+          <a:fontRef idx="minor">
+            <a:schemeClr val="tx1"/>
+          </a:fontRef>
+        </p:style>
+      </p:cxnSp>
+      <p:sp>
+        <p:nvSpPr>
+          <p:cNvPr id="51" name="직사각형 50">
+            <a:extLst>
+              <a:ext uri="{FF2B5EF4-FFF2-40B4-BE49-F238E27FC236}">
+                <a16:creationId xmlns:a16="http://schemas.microsoft.com/office/drawing/2014/main" id="{062A7F7E-E5E3-E04C-9A6A-58336DC309F9}"/>
+              </a:ext>
+            </a:extLst>
+          </p:cNvPr>
+          <p:cNvSpPr/>
+          <p:nvPr/>
+        </p:nvSpPr>
+        <p:spPr>
+          <a:xfrm>
+            <a:off x="7309180" y="5009782"/>
+            <a:ext cx="742511" cy="369332"/>
+          </a:xfrm>
+          <a:prstGeom prst="rect">
+            <a:avLst/>
+          </a:prstGeom>
+        </p:spPr>
+        <p:txBody>
+          <a:bodyPr wrap="none">
+            <a:spAutoFit/>
+          </a:bodyPr>
+          <a:lstStyle/>
+          <a:p>
+            <a:pPr algn="ctr"/>
+            <a:r>
+              <a:rPr lang="en-US" altLang="ko-KR" dirty="0">
+                <a:latin typeface="BM JUA OTF" panose="02020603020101020101" pitchFamily="18" charset="-127"/>
+                <a:ea typeface="BM JUA OTF" panose="02020603020101020101" pitchFamily="18" charset="-127"/>
+              </a:rPr>
+              <a:t>2000</a:t>
+            </a:r>
+            <a:endParaRPr lang="ko-KR" altLang="en-US" dirty="0">
+              <a:latin typeface="BM JUA OTF" panose="02020603020101020101" pitchFamily="18" charset="-127"/>
+              <a:ea typeface="BM JUA OTF" panose="02020603020101020101" pitchFamily="18" charset="-127"/>
+            </a:endParaRPr>
+          </a:p>
+        </p:txBody>
+      </p:sp>
+      <p:sp>
+        <p:nvSpPr>
+          <p:cNvPr id="53" name="직사각형 52">
+            <a:extLst>
+              <a:ext uri="{FF2B5EF4-FFF2-40B4-BE49-F238E27FC236}">
+                <a16:creationId xmlns:a16="http://schemas.microsoft.com/office/drawing/2014/main" id="{3842946B-ADAB-5242-9764-939DAA00D6B7}"/>
+              </a:ext>
+            </a:extLst>
+          </p:cNvPr>
+          <p:cNvSpPr/>
+          <p:nvPr/>
+        </p:nvSpPr>
+        <p:spPr>
+          <a:xfrm>
+            <a:off x="3955303" y="4917205"/>
+            <a:ext cx="2083323" cy="651886"/>
+          </a:xfrm>
+          <a:prstGeom prst="rect">
+            <a:avLst/>
+          </a:prstGeom>
+          <a:solidFill>
+            <a:srgbClr val="FFCB00"/>
+          </a:solidFill>
+          <a:ln>
+            <a:noFill/>
+          </a:ln>
+        </p:spPr>
+        <p:style>
+          <a:lnRef idx="2">
+            <a:schemeClr val="accent1">
+              <a:shade val="50000"/>
+            </a:schemeClr>
+          </a:lnRef>
+          <a:fillRef idx="1">
+            <a:schemeClr val="accent1"/>
+          </a:fillRef>
+          <a:effectRef idx="0">
+            <a:schemeClr val="accent1"/>
+          </a:effectRef>
+          <a:fontRef idx="minor">
+            <a:schemeClr val="lt1"/>
+          </a:fontRef>
+        </p:style>
+        <p:txBody>
+          <a:bodyPr rtlCol="0" anchor="ctr"/>
+          <a:lstStyle/>
+          <a:p>
+            <a:pPr algn="ctr"/>
+            <a:endParaRPr kumimoji="1" lang="ko-KR" altLang="en-US"/>
+          </a:p>
+        </p:txBody>
+      </p:sp>
+      <p:sp>
+        <p:nvSpPr>
+          <p:cNvPr id="54" name="직사각형 53">
+            <a:extLst>
+              <a:ext uri="{FF2B5EF4-FFF2-40B4-BE49-F238E27FC236}">
+                <a16:creationId xmlns:a16="http://schemas.microsoft.com/office/drawing/2014/main" id="{4F1FD090-AD87-8D4E-96D8-D6AF23230A82}"/>
+              </a:ext>
+            </a:extLst>
+          </p:cNvPr>
+          <p:cNvSpPr/>
+          <p:nvPr/>
+        </p:nvSpPr>
+        <p:spPr>
+          <a:xfrm>
+            <a:off x="4273048" y="4954479"/>
+            <a:ext cx="1447833" cy="584775"/>
+          </a:xfrm>
+          <a:prstGeom prst="rect">
+            <a:avLst/>
+          </a:prstGeom>
+        </p:spPr>
+        <p:txBody>
+          <a:bodyPr wrap="none">
+            <a:spAutoFit/>
+          </a:bodyPr>
+          <a:lstStyle/>
+          <a:p>
+            <a:pPr algn="ctr"/>
+            <a:r>
+              <a:rPr lang="ko-KR" altLang="en-US" sz="1600" dirty="0" err="1">
+                <a:latin typeface="BM JUA OTF" panose="02020603020101020101" pitchFamily="18" charset="-127"/>
+                <a:ea typeface="BM JUA OTF" panose="02020603020101020101" pitchFamily="18" charset="-127"/>
+              </a:rPr>
+              <a:t>공유변수</a:t>
+            </a:r>
+            <a:r>
+              <a:rPr lang="en-US" altLang="ko-KR" sz="1600" dirty="0">
+                <a:latin typeface="BM JUA OTF" panose="02020603020101020101" pitchFamily="18" charset="-127"/>
+                <a:ea typeface="BM JUA OTF" panose="02020603020101020101" pitchFamily="18" charset="-127"/>
+              </a:rPr>
+              <a:t> </a:t>
+            </a:r>
+          </a:p>
+          <a:p>
+            <a:pPr algn="ctr"/>
+            <a:r>
+              <a:rPr lang="en-US" altLang="ko-KR" sz="1600" dirty="0">
+                <a:latin typeface="BM JUA OTF" panose="02020603020101020101" pitchFamily="18" charset="-127"/>
+                <a:ea typeface="BM JUA OTF" panose="02020603020101020101" pitchFamily="18" charset="-127"/>
+              </a:rPr>
+              <a:t>money = 2000</a:t>
+            </a:r>
+            <a:endParaRPr lang="ko-KR" altLang="en-US" sz="1600" dirty="0">
+              <a:latin typeface="BM JUA OTF" panose="02020603020101020101" pitchFamily="18" charset="-127"/>
+              <a:ea typeface="BM JUA OTF" panose="02020603020101020101" pitchFamily="18" charset="-127"/>
+            </a:endParaRPr>
+          </a:p>
+        </p:txBody>
+      </p:sp>
+      <p:cxnSp>
+        <p:nvCxnSpPr>
+          <p:cNvPr id="56" name="직선 화살표 연결선 55">
+            <a:extLst>
+              <a:ext uri="{FF2B5EF4-FFF2-40B4-BE49-F238E27FC236}">
+                <a16:creationId xmlns:a16="http://schemas.microsoft.com/office/drawing/2014/main" id="{351DAA2F-1BD3-A847-AAE5-1C371DBF9233}"/>
+              </a:ext>
+            </a:extLst>
+          </p:cNvPr>
+          <p:cNvCxnSpPr>
+            <a:cxnSpLocks/>
+          </p:cNvCxnSpPr>
+          <p:nvPr/>
+        </p:nvCxnSpPr>
+        <p:spPr>
+          <a:xfrm flipH="1">
+            <a:off x="4996965" y="3943999"/>
+            <a:ext cx="5180" cy="984495"/>
+          </a:xfrm>
+          <a:prstGeom prst="straightConnector1">
+            <a:avLst/>
+          </a:prstGeom>
+          <a:ln w="38100">
+            <a:solidFill>
+              <a:schemeClr val="tx1"/>
+            </a:solidFill>
+            <a:tailEnd type="triangle"/>
+          </a:ln>
+        </p:spPr>
+        <p:style>
+          <a:lnRef idx="1">
+            <a:schemeClr val="accent1"/>
+          </a:lnRef>
+          <a:fillRef idx="0">
+            <a:schemeClr val="accent1"/>
+          </a:fillRef>
+          <a:effectRef idx="0">
+            <a:schemeClr val="accent1"/>
+          </a:effectRef>
+          <a:fontRef idx="minor">
+            <a:schemeClr val="tx1"/>
+          </a:fontRef>
+        </p:style>
+      </p:cxnSp>
+      <p:sp>
+        <p:nvSpPr>
+          <p:cNvPr id="59" name="직사각형 58">
+            <a:extLst>
+              <a:ext uri="{FF2B5EF4-FFF2-40B4-BE49-F238E27FC236}">
+                <a16:creationId xmlns:a16="http://schemas.microsoft.com/office/drawing/2014/main" id="{ABDA9594-9686-4A41-B1E8-FCFC9A8D0427}"/>
+              </a:ext>
+            </a:extLst>
+          </p:cNvPr>
+          <p:cNvSpPr/>
+          <p:nvPr/>
+        </p:nvSpPr>
+        <p:spPr>
+          <a:xfrm>
+            <a:off x="3224072" y="3272334"/>
+            <a:ext cx="675186" cy="338554"/>
+          </a:xfrm>
+          <a:prstGeom prst="rect">
+            <a:avLst/>
+          </a:prstGeom>
+        </p:spPr>
+        <p:txBody>
+          <a:bodyPr wrap="none">
+            <a:spAutoFit/>
+          </a:bodyPr>
+          <a:lstStyle/>
+          <a:p>
+            <a:pPr algn="ctr"/>
+            <a:r>
+              <a:rPr lang="en-US" altLang="ko-KR" sz="1600" dirty="0">
+                <a:latin typeface="BM JUA OTF" panose="02020603020101020101" pitchFamily="18" charset="-127"/>
+                <a:ea typeface="BM JUA OTF" panose="02020603020101020101" pitchFamily="18" charset="-127"/>
+              </a:rPr>
+              <a:t>write</a:t>
+            </a:r>
+            <a:endParaRPr lang="ko-KR" altLang="en-US" sz="1600" dirty="0">
+              <a:latin typeface="BM JUA OTF" panose="02020603020101020101" pitchFamily="18" charset="-127"/>
+              <a:ea typeface="BM JUA OTF" panose="02020603020101020101" pitchFamily="18" charset="-127"/>
+            </a:endParaRPr>
+          </a:p>
+        </p:txBody>
+      </p:sp>
+      <p:cxnSp>
+        <p:nvCxnSpPr>
+          <p:cNvPr id="60" name="직선 화살표 연결선 59">
+            <a:extLst>
+              <a:ext uri="{FF2B5EF4-FFF2-40B4-BE49-F238E27FC236}">
+                <a16:creationId xmlns:a16="http://schemas.microsoft.com/office/drawing/2014/main" id="{050A2706-1850-A94F-8A25-C8CEB19285E7}"/>
+              </a:ext>
+            </a:extLst>
+          </p:cNvPr>
+          <p:cNvCxnSpPr>
+            <a:cxnSpLocks/>
+          </p:cNvCxnSpPr>
+          <p:nvPr/>
+        </p:nvCxnSpPr>
+        <p:spPr>
+          <a:xfrm flipH="1">
+            <a:off x="6009789" y="5194448"/>
+            <a:ext cx="1277775" cy="0"/>
+          </a:xfrm>
+          <a:prstGeom prst="straightConnector1">
+            <a:avLst/>
+          </a:prstGeom>
+          <a:ln w="38100">
+            <a:solidFill>
+              <a:schemeClr val="tx1"/>
+            </a:solidFill>
+            <a:tailEnd type="triangle"/>
+          </a:ln>
+        </p:spPr>
+        <p:style>
+          <a:lnRef idx="1">
+            <a:schemeClr val="accent1"/>
+          </a:lnRef>
+          <a:fillRef idx="0">
+            <a:schemeClr val="accent1"/>
+          </a:fillRef>
+          <a:effectRef idx="0">
+            <a:schemeClr val="accent1"/>
+          </a:effectRef>
+          <a:fontRef idx="minor">
+            <a:schemeClr val="tx1"/>
+          </a:fontRef>
+        </p:style>
+      </p:cxnSp>
+      <p:sp>
+        <p:nvSpPr>
+          <p:cNvPr id="62" name="직사각형 61">
+            <a:extLst>
+              <a:ext uri="{FF2B5EF4-FFF2-40B4-BE49-F238E27FC236}">
+                <a16:creationId xmlns:a16="http://schemas.microsoft.com/office/drawing/2014/main" id="{8646D695-8C11-EF42-AE65-A4E8B8865883}"/>
+              </a:ext>
+            </a:extLst>
+          </p:cNvPr>
+          <p:cNvSpPr/>
+          <p:nvPr/>
+        </p:nvSpPr>
+        <p:spPr>
+          <a:xfrm>
+            <a:off x="6285593" y="4855894"/>
+            <a:ext cx="675186" cy="338554"/>
+          </a:xfrm>
+          <a:prstGeom prst="rect">
+            <a:avLst/>
+          </a:prstGeom>
+        </p:spPr>
+        <p:txBody>
+          <a:bodyPr wrap="none">
+            <a:spAutoFit/>
+          </a:bodyPr>
+          <a:lstStyle/>
+          <a:p>
+            <a:pPr algn="ctr"/>
+            <a:r>
+              <a:rPr lang="en-US" altLang="ko-KR" sz="1600" dirty="0">
+                <a:latin typeface="BM JUA OTF" panose="02020603020101020101" pitchFamily="18" charset="-127"/>
+                <a:ea typeface="BM JUA OTF" panose="02020603020101020101" pitchFamily="18" charset="-127"/>
+              </a:rPr>
+              <a:t>write</a:t>
+            </a:r>
+            <a:endParaRPr lang="ko-KR" altLang="en-US" sz="1600" dirty="0">
+              <a:latin typeface="BM JUA OTF" panose="02020603020101020101" pitchFamily="18" charset="-127"/>
+              <a:ea typeface="BM JUA OTF" panose="02020603020101020101" pitchFamily="18" charset="-127"/>
+            </a:endParaRPr>
+          </a:p>
+        </p:txBody>
+      </p:sp>
+      <p:sp>
+        <p:nvSpPr>
+          <p:cNvPr id="63" name="직사각형 62">
+            <a:extLst>
+              <a:ext uri="{FF2B5EF4-FFF2-40B4-BE49-F238E27FC236}">
+                <a16:creationId xmlns:a16="http://schemas.microsoft.com/office/drawing/2014/main" id="{C31D3963-A534-E345-A77F-3266FA3CD4FE}"/>
+              </a:ext>
+            </a:extLst>
+          </p:cNvPr>
+          <p:cNvSpPr/>
+          <p:nvPr/>
+        </p:nvSpPr>
+        <p:spPr>
+          <a:xfrm>
+            <a:off x="7755777" y="3903763"/>
+            <a:ext cx="524503" cy="338554"/>
+          </a:xfrm>
+          <a:prstGeom prst="rect">
+            <a:avLst/>
+          </a:prstGeom>
+        </p:spPr>
+        <p:txBody>
+          <a:bodyPr wrap="none">
+            <a:spAutoFit/>
+          </a:bodyPr>
+          <a:lstStyle/>
+          <a:p>
+            <a:pPr algn="ctr"/>
+            <a:r>
+              <a:rPr lang="ko-KR" altLang="en-US" sz="1600" dirty="0">
+                <a:latin typeface="BM JUA OTF" panose="02020603020101020101" pitchFamily="18" charset="-127"/>
+                <a:ea typeface="BM JUA OTF" panose="02020603020101020101" pitchFamily="18" charset="-127"/>
+              </a:rPr>
+              <a:t>입금</a:t>
+            </a:r>
+          </a:p>
+        </p:txBody>
+      </p:sp>
+      <p:sp>
+        <p:nvSpPr>
+          <p:cNvPr id="64" name="직사각형 63">
+            <a:extLst>
+              <a:ext uri="{FF2B5EF4-FFF2-40B4-BE49-F238E27FC236}">
+                <a16:creationId xmlns:a16="http://schemas.microsoft.com/office/drawing/2014/main" id="{5067C3D9-DC97-1040-8F86-08BD8B7D13AF}"/>
+              </a:ext>
+            </a:extLst>
+          </p:cNvPr>
+          <p:cNvSpPr/>
+          <p:nvPr/>
+        </p:nvSpPr>
+        <p:spPr>
+          <a:xfrm>
+            <a:off x="1733090" y="2588429"/>
+            <a:ext cx="524503" cy="338554"/>
+          </a:xfrm>
+          <a:prstGeom prst="rect">
+            <a:avLst/>
+          </a:prstGeom>
+        </p:spPr>
+        <p:txBody>
+          <a:bodyPr wrap="none">
+            <a:spAutoFit/>
+          </a:bodyPr>
+          <a:lstStyle/>
+          <a:p>
+            <a:pPr algn="ctr"/>
+            <a:r>
+              <a:rPr lang="ko-KR" altLang="en-US" sz="1600" dirty="0">
+                <a:latin typeface="BM JUA OTF" panose="02020603020101020101" pitchFamily="18" charset="-127"/>
+                <a:ea typeface="BM JUA OTF" panose="02020603020101020101" pitchFamily="18" charset="-127"/>
+              </a:rPr>
+              <a:t>입금</a:t>
+            </a:r>
+          </a:p>
+        </p:txBody>
+      </p:sp>
+    </p:spTree>
+    <p:extLst>
+      <p:ext uri="{BB962C8B-B14F-4D97-AF65-F5344CB8AC3E}">
+        <p14:creationId xmlns:p14="http://schemas.microsoft.com/office/powerpoint/2010/main" val="2933752405"/>
+      </p:ext>
+    </p:extLst>
+  </p:cSld>
+  <p:clrMapOvr>
+    <a:masterClrMapping/>
+  </p:clrMapOvr>
+</p:sld>
+</file>
+
 <file path=ppt/theme/theme1.xml><?xml version="1.0" encoding="utf-8"?>
 <a:theme xmlns:a="http://schemas.openxmlformats.org/drawingml/2006/main" name="Office 테마">
   <a:themeElements>
@@ -3903,4 +7398,299 @@
     </a:ext>
   </a:extLst>
 </a:theme>
+</file>
+
+<file path=ppt/theme/theme2.xml><?xml version="1.0" encoding="utf-8"?>
+<a:theme xmlns:a="http://schemas.openxmlformats.org/drawingml/2006/main" name="Office 테마">
+  <a:themeElements>
+    <a:clrScheme name="Office">
+      <a:dk1>
+        <a:sysClr val="windowText" lastClr="000000"/>
+      </a:dk1>
+      <a:lt1>
+        <a:sysClr val="window" lastClr="FFFFFF"/>
+      </a:lt1>
+      <a:dk2>
+        <a:srgbClr val="44546A"/>
+      </a:dk2>
+      <a:lt2>
+        <a:srgbClr val="E7E6E6"/>
+      </a:lt2>
+      <a:accent1>
+        <a:srgbClr val="4472C4"/>
+      </a:accent1>
+      <a:accent2>
+        <a:srgbClr val="ED7D31"/>
+      </a:accent2>
+      <a:accent3>
+        <a:srgbClr val="A5A5A5"/>
+      </a:accent3>
+      <a:accent4>
+        <a:srgbClr val="FFC000"/>
+      </a:accent4>
+      <a:accent5>
+        <a:srgbClr val="5B9BD5"/>
+      </a:accent5>
+      <a:accent6>
+        <a:srgbClr val="70AD47"/>
+      </a:accent6>
+      <a:hlink>
+        <a:srgbClr val="0563C1"/>
+      </a:hlink>
+      <a:folHlink>
+        <a:srgbClr val="954F72"/>
+      </a:folHlink>
+    </a:clrScheme>
+    <a:fontScheme name="Office">
+      <a:majorFont>
+        <a:latin typeface="맑은 고딕" panose="020F0302020204030204"/>
+        <a:ea typeface=""/>
+        <a:cs typeface=""/>
+        <a:font script="Jpan" typeface="游ゴシック Light"/>
+        <a:font script="Hang" typeface="맑은 고딕"/>
+        <a:font script="Hans" typeface="等线 Light"/>
+        <a:font script="Hant" typeface="新細明體"/>
+        <a:font script="Arab" typeface="Times New Roman"/>
+        <a:font script="Hebr" typeface="Times New Roman"/>
+        <a:font script="Thai" typeface="Angsana New"/>
+        <a:font script="Ethi" typeface="Nyala"/>
+        <a:font script="Beng" typeface="Vrinda"/>
+        <a:font script="Gujr" typeface="Shruti"/>
+        <a:font script="Khmr" typeface="MoolBoran"/>
+        <a:font script="Knda" typeface="Tunga"/>
+        <a:font script="Guru" typeface="Raavi"/>
+        <a:font script="Cans" typeface="Euphemia"/>
+        <a:font script="Cher" typeface="Plantagenet Cherokee"/>
+        <a:font script="Yiii" typeface="Microsoft Yi Baiti"/>
+        <a:font script="Tibt" typeface="Microsoft Himalaya"/>
+        <a:font script="Thaa" typeface="MV Boli"/>
+        <a:font script="Deva" typeface="Mangal"/>
+        <a:font script="Telu" typeface="Gautami"/>
+        <a:font script="Taml" typeface="Latha"/>
+        <a:font script="Syrc" typeface="Estrangelo Edessa"/>
+        <a:font script="Orya" typeface="Kalinga"/>
+        <a:font script="Mlym" typeface="Kartika"/>
+        <a:font script="Laoo" typeface="DokChampa"/>
+        <a:font script="Sinh" typeface="Iskoola Pota"/>
+        <a:font script="Mong" typeface="Mongolian Baiti"/>
+        <a:font script="Viet" typeface="Times New Roman"/>
+        <a:font script="Uigh" typeface="Microsoft Uighur"/>
+        <a:font script="Geor" typeface="Sylfaen"/>
+        <a:font script="Armn" typeface="Arial"/>
+        <a:font script="Bugi" typeface="Leelawadee UI"/>
+        <a:font script="Bopo" typeface="Microsoft JhengHei"/>
+        <a:font script="Java" typeface="Javanese Text"/>
+        <a:font script="Lisu" typeface="Segoe UI"/>
+        <a:font script="Mymr" typeface="Myanmar Text"/>
+        <a:font script="Nkoo" typeface="Ebrima"/>
+        <a:font script="Olck" typeface="Nirmala UI"/>
+        <a:font script="Osma" typeface="Ebrima"/>
+        <a:font script="Phag" typeface="Phagspa"/>
+        <a:font script="Syrn" typeface="Estrangelo Edessa"/>
+        <a:font script="Syrj" typeface="Estrangelo Edessa"/>
+        <a:font script="Syre" typeface="Estrangelo Edessa"/>
+        <a:font script="Sora" typeface="Nirmala UI"/>
+        <a:font script="Tale" typeface="Microsoft Tai Le"/>
+        <a:font script="Talu" typeface="Microsoft New Tai Lue"/>
+        <a:font script="Tfng" typeface="Ebrima"/>
+      </a:majorFont>
+      <a:minorFont>
+        <a:latin typeface="맑은 고딕" panose="020F0502020204030204"/>
+        <a:ea typeface=""/>
+        <a:cs typeface=""/>
+        <a:font script="Jpan" typeface="游ゴシック"/>
+        <a:font script="Hang" typeface="맑은 고딕"/>
+        <a:font script="Hans" typeface="等线"/>
+        <a:font script="Hant" typeface="新細明體"/>
+        <a:font script="Arab" typeface="Arial"/>
+        <a:font script="Hebr" typeface="Arial"/>
+        <a:font script="Thai" typeface="Cordia New"/>
+        <a:font script="Ethi" typeface="Nyala"/>
+        <a:font script="Beng" typeface="Vrinda"/>
+        <a:font script="Gujr" typeface="Shruti"/>
+        <a:font script="Khmr" typeface="DaunPenh"/>
+        <a:font script="Knda" typeface="Tunga"/>
+        <a:font script="Guru" typeface="Raavi"/>
+        <a:font script="Cans" typeface="Euphemia"/>
+        <a:font script="Cher" typeface="Plantagenet Cherokee"/>
+        <a:font script="Yiii" typeface="Microsoft Yi Baiti"/>
+        <a:font script="Tibt" typeface="Microsoft Himalaya"/>
+        <a:font script="Thaa" typeface="MV Boli"/>
+        <a:font script="Deva" typeface="Mangal"/>
+        <a:font script="Telu" typeface="Gautami"/>
+        <a:font script="Taml" typeface="Latha"/>
+        <a:font script="Syrc" typeface="Estrangelo Edessa"/>
+        <a:font script="Orya" typeface="Kalinga"/>
+        <a:font script="Mlym" typeface="Kartika"/>
+        <a:font script="Laoo" typeface="DokChampa"/>
+        <a:font script="Sinh" typeface="Iskoola Pota"/>
+        <a:font script="Mong" typeface="Mongolian Baiti"/>
+        <a:font script="Viet" typeface="Arial"/>
+        <a:font script="Uigh" typeface="Microsoft Uighur"/>
+        <a:font script="Geor" typeface="Sylfaen"/>
+        <a:font script="Armn" typeface="Arial"/>
+        <a:font script="Bugi" typeface="Leelawadee UI"/>
+        <a:font script="Bopo" typeface="Microsoft JhengHei"/>
+        <a:font script="Java" typeface="Javanese Text"/>
+        <a:font script="Lisu" typeface="Segoe UI"/>
+        <a:font script="Mymr" typeface="Myanmar Text"/>
+        <a:font script="Nkoo" typeface="Ebrima"/>
+        <a:font script="Olck" typeface="Nirmala UI"/>
+        <a:font script="Osma" typeface="Ebrima"/>
+        <a:font script="Phag" typeface="Phagspa"/>
+        <a:font script="Syrn" typeface="Estrangelo Edessa"/>
+        <a:font script="Syrj" typeface="Estrangelo Edessa"/>
+        <a:font script="Syre" typeface="Estrangelo Edessa"/>
+        <a:font script="Sora" typeface="Nirmala UI"/>
+        <a:font script="Tale" typeface="Microsoft Tai Le"/>
+        <a:font script="Talu" typeface="Microsoft New Tai Lue"/>
+        <a:font script="Tfng" typeface="Ebrima"/>
+      </a:minorFont>
+    </a:fontScheme>
+    <a:fmtScheme name="Office">
+      <a:fillStyleLst>
+        <a:solidFill>
+          <a:schemeClr val="phClr"/>
+        </a:solidFill>
+        <a:gradFill rotWithShape="1">
+          <a:gsLst>
+            <a:gs pos="0">
+              <a:schemeClr val="phClr">
+                <a:lumMod val="110000"/>
+                <a:satMod val="105000"/>
+                <a:tint val="67000"/>
+              </a:schemeClr>
+            </a:gs>
+            <a:gs pos="50000">
+              <a:schemeClr val="phClr">
+                <a:lumMod val="105000"/>
+                <a:satMod val="103000"/>
+                <a:tint val="73000"/>
+              </a:schemeClr>
+            </a:gs>
+            <a:gs pos="100000">
+              <a:schemeClr val="phClr">
+                <a:lumMod val="105000"/>
+                <a:satMod val="109000"/>
+                <a:tint val="81000"/>
+              </a:schemeClr>
+            </a:gs>
+          </a:gsLst>
+          <a:lin ang="5400000" scaled="0"/>
+        </a:gradFill>
+        <a:gradFill rotWithShape="1">
+          <a:gsLst>
+            <a:gs pos="0">
+              <a:schemeClr val="phClr">
+                <a:satMod val="103000"/>
+                <a:lumMod val="102000"/>
+                <a:tint val="94000"/>
+              </a:schemeClr>
+            </a:gs>
+            <a:gs pos="50000">
+              <a:schemeClr val="phClr">
+                <a:satMod val="110000"/>
+                <a:lumMod val="100000"/>
+                <a:shade val="100000"/>
+              </a:schemeClr>
+            </a:gs>
+            <a:gs pos="100000">
+              <a:schemeClr val="phClr">
+                <a:lumMod val="99000"/>
+                <a:satMod val="120000"/>
+                <a:shade val="78000"/>
+              </a:schemeClr>
+            </a:gs>
+          </a:gsLst>
+          <a:lin ang="5400000" scaled="0"/>
+        </a:gradFill>
+      </a:fillStyleLst>
+      <a:lnStyleLst>
+        <a:ln w="6350" cap="flat" cmpd="sng" algn="ctr">
+          <a:solidFill>
+            <a:schemeClr val="phClr"/>
+          </a:solidFill>
+          <a:prstDash val="solid"/>
+          <a:miter lim="800000"/>
+        </a:ln>
+        <a:ln w="12700" cap="flat" cmpd="sng" algn="ctr">
+          <a:solidFill>
+            <a:schemeClr val="phClr"/>
+          </a:solidFill>
+          <a:prstDash val="solid"/>
+          <a:miter lim="800000"/>
+        </a:ln>
+        <a:ln w="19050" cap="flat" cmpd="sng" algn="ctr">
+          <a:solidFill>
+            <a:schemeClr val="phClr"/>
+          </a:solidFill>
+          <a:prstDash val="solid"/>
+          <a:miter lim="800000"/>
+        </a:ln>
+      </a:lnStyleLst>
+      <a:effectStyleLst>
+        <a:effectStyle>
+          <a:effectLst/>
+        </a:effectStyle>
+        <a:effectStyle>
+          <a:effectLst/>
+        </a:effectStyle>
+        <a:effectStyle>
+          <a:effectLst>
+            <a:outerShdw blurRad="57150" dist="19050" dir="5400000" algn="ctr" rotWithShape="0">
+              <a:srgbClr val="000000">
+                <a:alpha val="63000"/>
+              </a:srgbClr>
+            </a:outerShdw>
+          </a:effectLst>
+        </a:effectStyle>
+      </a:effectStyleLst>
+      <a:bgFillStyleLst>
+        <a:solidFill>
+          <a:schemeClr val="phClr"/>
+        </a:solidFill>
+        <a:solidFill>
+          <a:schemeClr val="phClr">
+            <a:tint val="95000"/>
+            <a:satMod val="170000"/>
+          </a:schemeClr>
+        </a:solidFill>
+        <a:gradFill rotWithShape="1">
+          <a:gsLst>
+            <a:gs pos="0">
+              <a:schemeClr val="phClr">
+                <a:tint val="93000"/>
+                <a:satMod val="150000"/>
+                <a:shade val="98000"/>
+                <a:lumMod val="102000"/>
+              </a:schemeClr>
+            </a:gs>
+            <a:gs pos="50000">
+              <a:schemeClr val="phClr">
+                <a:tint val="98000"/>
+                <a:satMod val="130000"/>
+                <a:shade val="90000"/>
+                <a:lumMod val="103000"/>
+              </a:schemeClr>
+            </a:gs>
+            <a:gs pos="100000">
+              <a:schemeClr val="phClr">
+                <a:shade val="63000"/>
+                <a:satMod val="120000"/>
+              </a:schemeClr>
+            </a:gs>
+          </a:gsLst>
+          <a:lin ang="5400000" scaled="0"/>
+        </a:gradFill>
+      </a:bgFillStyleLst>
+    </a:fmtScheme>
+  </a:themeElements>
+  <a:objectDefaults/>
+  <a:extraClrSchemeLst/>
+  <a:extLst>
+    <a:ext uri="{05A4C25C-085E-4340-85A3-A5531E510DB2}">
+      <thm15:themeFamily xmlns:thm15="http://schemas.microsoft.com/office/thememl/2012/main" name="Office Theme" id="{62F939B6-93AF-4DB8-9C6B-D6C7DFDC589F}" vid="{4A3C46E8-61CC-4603-A589-7422A47A8E4A}"/>
+    </a:ext>
+  </a:extLst>
+</a:theme>
 </file>